--- a/UI도안.pptx
+++ b/UI도안.pptx
@@ -5,8 +5,12 @@
     <p:sldMasterId id="2147483648" r:id="rId1"/>
   </p:sldMasterIdLst>
   <p:sldIdLst>
-    <p:sldId id="256" r:id="rId2"/>
-    <p:sldId id="259" r:id="rId3"/>
+    <p:sldId id="261" r:id="rId2"/>
+    <p:sldId id="262" r:id="rId3"/>
+    <p:sldId id="263" r:id="rId4"/>
+    <p:sldId id="264" r:id="rId5"/>
+    <p:sldId id="260" r:id="rId6"/>
+    <p:sldId id="259" r:id="rId7"/>
   </p:sldIdLst>
   <p:sldSz cx="12192000" cy="6858000"/>
   <p:notesSz cx="6858000" cy="9144000"/>
@@ -260,7 +264,7 @@
           <a:p>
             <a:fld id="{9F0C7879-2E3F-4309-905F-31727B26C784}" type="datetimeFigureOut">
               <a:rPr lang="ko-KR" altLang="en-US" smtClean="0"/>
-              <a:t>2019-09-22</a:t>
+              <a:t>2019-09-23</a:t>
             </a:fld>
             <a:endParaRPr lang="ko-KR" altLang="en-US"/>
           </a:p>
@@ -458,7 +462,7 @@
           <a:p>
             <a:fld id="{9F0C7879-2E3F-4309-905F-31727B26C784}" type="datetimeFigureOut">
               <a:rPr lang="ko-KR" altLang="en-US" smtClean="0"/>
-              <a:t>2019-09-22</a:t>
+              <a:t>2019-09-23</a:t>
             </a:fld>
             <a:endParaRPr lang="ko-KR" altLang="en-US"/>
           </a:p>
@@ -666,7 +670,7 @@
           <a:p>
             <a:fld id="{9F0C7879-2E3F-4309-905F-31727B26C784}" type="datetimeFigureOut">
               <a:rPr lang="ko-KR" altLang="en-US" smtClean="0"/>
-              <a:t>2019-09-22</a:t>
+              <a:t>2019-09-23</a:t>
             </a:fld>
             <a:endParaRPr lang="ko-KR" altLang="en-US"/>
           </a:p>
@@ -864,7 +868,7 @@
           <a:p>
             <a:fld id="{9F0C7879-2E3F-4309-905F-31727B26C784}" type="datetimeFigureOut">
               <a:rPr lang="ko-KR" altLang="en-US" smtClean="0"/>
-              <a:t>2019-09-22</a:t>
+              <a:t>2019-09-23</a:t>
             </a:fld>
             <a:endParaRPr lang="ko-KR" altLang="en-US"/>
           </a:p>
@@ -1139,7 +1143,7 @@
           <a:p>
             <a:fld id="{9F0C7879-2E3F-4309-905F-31727B26C784}" type="datetimeFigureOut">
               <a:rPr lang="ko-KR" altLang="en-US" smtClean="0"/>
-              <a:t>2019-09-22</a:t>
+              <a:t>2019-09-23</a:t>
             </a:fld>
             <a:endParaRPr lang="ko-KR" altLang="en-US"/>
           </a:p>
@@ -1404,7 +1408,7 @@
           <a:p>
             <a:fld id="{9F0C7879-2E3F-4309-905F-31727B26C784}" type="datetimeFigureOut">
               <a:rPr lang="ko-KR" altLang="en-US" smtClean="0"/>
-              <a:t>2019-09-22</a:t>
+              <a:t>2019-09-23</a:t>
             </a:fld>
             <a:endParaRPr lang="ko-KR" altLang="en-US"/>
           </a:p>
@@ -1816,7 +1820,7 @@
           <a:p>
             <a:fld id="{9F0C7879-2E3F-4309-905F-31727B26C784}" type="datetimeFigureOut">
               <a:rPr lang="ko-KR" altLang="en-US" smtClean="0"/>
-              <a:t>2019-09-22</a:t>
+              <a:t>2019-09-23</a:t>
             </a:fld>
             <a:endParaRPr lang="ko-KR" altLang="en-US"/>
           </a:p>
@@ -1957,7 +1961,7 @@
           <a:p>
             <a:fld id="{9F0C7879-2E3F-4309-905F-31727B26C784}" type="datetimeFigureOut">
               <a:rPr lang="ko-KR" altLang="en-US" smtClean="0"/>
-              <a:t>2019-09-22</a:t>
+              <a:t>2019-09-23</a:t>
             </a:fld>
             <a:endParaRPr lang="ko-KR" altLang="en-US"/>
           </a:p>
@@ -2070,7 +2074,7 @@
           <a:p>
             <a:fld id="{9F0C7879-2E3F-4309-905F-31727B26C784}" type="datetimeFigureOut">
               <a:rPr lang="ko-KR" altLang="en-US" smtClean="0"/>
-              <a:t>2019-09-22</a:t>
+              <a:t>2019-09-23</a:t>
             </a:fld>
             <a:endParaRPr lang="ko-KR" altLang="en-US"/>
           </a:p>
@@ -2381,7 +2385,7 @@
           <a:p>
             <a:fld id="{9F0C7879-2E3F-4309-905F-31727B26C784}" type="datetimeFigureOut">
               <a:rPr lang="ko-KR" altLang="en-US" smtClean="0"/>
-              <a:t>2019-09-22</a:t>
+              <a:t>2019-09-23</a:t>
             </a:fld>
             <a:endParaRPr lang="ko-KR" altLang="en-US"/>
           </a:p>
@@ -2669,7 +2673,7 @@
           <a:p>
             <a:fld id="{9F0C7879-2E3F-4309-905F-31727B26C784}" type="datetimeFigureOut">
               <a:rPr lang="ko-KR" altLang="en-US" smtClean="0"/>
-              <a:t>2019-09-22</a:t>
+              <a:t>2019-09-23</a:t>
             </a:fld>
             <a:endParaRPr lang="ko-KR" altLang="en-US"/>
           </a:p>
@@ -2910,7 +2914,7 @@
           <a:p>
             <a:fld id="{9F0C7879-2E3F-4309-905F-31727B26C784}" type="datetimeFigureOut">
               <a:rPr lang="ko-KR" altLang="en-US" smtClean="0"/>
-              <a:t>2019-09-22</a:t>
+              <a:t>2019-09-23</a:t>
             </a:fld>
             <a:endParaRPr lang="ko-KR" altLang="en-US"/>
           </a:p>
@@ -3341,8 +3345,8 @@
         </p:nvSpPr>
         <p:spPr>
           <a:xfrm>
-            <a:off x="322035" y="356789"/>
-            <a:ext cx="4404220" cy="4647501"/>
+            <a:off x="915924" y="356788"/>
+            <a:ext cx="10283120" cy="4647501"/>
           </a:xfrm>
           <a:prstGeom prst="rect">
             <a:avLst/>
@@ -3376,10 +3380,10 @@
       </p:sp>
       <p:sp>
         <p:nvSpPr>
-          <p:cNvPr id="5" name="직사각형 4">
-            <a:extLst>
-              <a:ext uri="{FF2B5EF4-FFF2-40B4-BE49-F238E27FC236}">
-                <a16:creationId xmlns:a16="http://schemas.microsoft.com/office/drawing/2014/main" id="{A6550A96-69D6-4717-9A75-2E6ED37A0FB5}"/>
+          <p:cNvPr id="13" name="직사각형 12">
+            <a:extLst>
+              <a:ext uri="{FF2B5EF4-FFF2-40B4-BE49-F238E27FC236}">
+                <a16:creationId xmlns:a16="http://schemas.microsoft.com/office/drawing/2014/main" id="{DAE9B5D3-3169-41B7-9D32-219AA0EB96D6}"/>
               </a:ext>
             </a:extLst>
           </p:cNvPr>
@@ -3388,8 +3392,8 @@
         </p:nvSpPr>
         <p:spPr>
           <a:xfrm>
-            <a:off x="7173815" y="356789"/>
-            <a:ext cx="4404220" cy="4647501"/>
+            <a:off x="1065311" y="1732185"/>
+            <a:ext cx="1180194" cy="330565"/>
           </a:xfrm>
           <a:prstGeom prst="rect">
             <a:avLst/>
@@ -3417,16 +3421,23 @@
           <a:lstStyle/>
           <a:p>
             <a:pPr algn="ctr"/>
-            <a:endParaRPr lang="ko-KR" altLang="en-US" dirty="0"/>
-          </a:p>
-        </p:txBody>
-      </p:sp>
-      <p:sp>
-        <p:nvSpPr>
-          <p:cNvPr id="6" name="직사각형 5">
-            <a:extLst>
-              <a:ext uri="{FF2B5EF4-FFF2-40B4-BE49-F238E27FC236}">
-                <a16:creationId xmlns:a16="http://schemas.microsoft.com/office/drawing/2014/main" id="{619D13C7-A826-4887-A2D6-0FABEBFF6536}"/>
+            <a:r>
+              <a:rPr lang="ko-KR" altLang="en-US" sz="1400" dirty="0">
+                <a:solidFill>
+                  <a:schemeClr val="tx1"/>
+                </a:solidFill>
+              </a:rPr>
+              <a:t>데이터 보기</a:t>
+            </a:r>
+          </a:p>
+        </p:txBody>
+      </p:sp>
+      <p:sp>
+        <p:nvSpPr>
+          <p:cNvPr id="14" name="직사각형 13">
+            <a:extLst>
+              <a:ext uri="{FF2B5EF4-FFF2-40B4-BE49-F238E27FC236}">
+                <a16:creationId xmlns:a16="http://schemas.microsoft.com/office/drawing/2014/main" id="{E1E69C98-EF4F-48E9-8AF6-A151C3DFE1CA}"/>
               </a:ext>
             </a:extLst>
           </p:cNvPr>
@@ -3435,8 +3446,8 @@
         </p:nvSpPr>
         <p:spPr>
           <a:xfrm>
-            <a:off x="1290485" y="2349973"/>
-            <a:ext cx="2467319" cy="330566"/>
+            <a:off x="5238787" y="1732185"/>
+            <a:ext cx="1180194" cy="330565"/>
           </a:xfrm>
           <a:prstGeom prst="rect">
             <a:avLst/>
@@ -3465,14 +3476,14 @@
           <a:p>
             <a:pPr algn="ctr"/>
             <a:r>
-              <a:rPr lang="ko-KR" altLang="en-US">
+              <a:rPr lang="ko-KR" altLang="en-US" sz="1400">
                 <a:solidFill>
                   <a:schemeClr val="tx1"/>
                 </a:solidFill>
               </a:rPr>
-              <a:t>조건 검색 </a:t>
-            </a:r>
-            <a:endParaRPr lang="ko-KR" altLang="en-US" dirty="0">
+              <a:t>데이터 추가</a:t>
+            </a:r>
+            <a:endParaRPr lang="ko-KR" altLang="en-US" sz="1400" dirty="0">
               <a:solidFill>
                 <a:schemeClr val="tx1"/>
               </a:solidFill>
@@ -3482,10 +3493,10 @@
       </p:sp>
       <p:sp>
         <p:nvSpPr>
-          <p:cNvPr id="7" name="직사각형 6">
-            <a:extLst>
-              <a:ext uri="{FF2B5EF4-FFF2-40B4-BE49-F238E27FC236}">
-                <a16:creationId xmlns:a16="http://schemas.microsoft.com/office/drawing/2014/main" id="{9B92132E-C55B-43E8-8160-2ED0B3C51BF2}"/>
+          <p:cNvPr id="15" name="직사각형 14">
+            <a:extLst>
+              <a:ext uri="{FF2B5EF4-FFF2-40B4-BE49-F238E27FC236}">
+                <a16:creationId xmlns:a16="http://schemas.microsoft.com/office/drawing/2014/main" id="{C9BB0AE7-C71E-4BBF-BD39-5B9DB8AFA432}"/>
               </a:ext>
             </a:extLst>
           </p:cNvPr>
@@ -3494,8 +3505,8 @@
         </p:nvSpPr>
         <p:spPr>
           <a:xfrm>
-            <a:off x="1290484" y="3263717"/>
-            <a:ext cx="2467319" cy="330566"/>
+            <a:off x="9574682" y="1732186"/>
+            <a:ext cx="1180194" cy="330565"/>
           </a:xfrm>
           <a:prstGeom prst="rect">
             <a:avLst/>
@@ -3524,22 +3535,98 @@
           <a:p>
             <a:pPr algn="ctr"/>
             <a:r>
-              <a:rPr lang="ko-KR" altLang="en-US" dirty="0">
+              <a:rPr lang="ko-KR" altLang="en-US" sz="1400" dirty="0">
                 <a:solidFill>
                   <a:schemeClr val="tx1"/>
                 </a:solidFill>
               </a:rPr>
-              <a:t>키워드 검색 </a:t>
-            </a:r>
-          </a:p>
-        </p:txBody>
-      </p:sp>
-      <p:sp>
-        <p:nvSpPr>
-          <p:cNvPr id="8" name="직사각형 7">
-            <a:extLst>
-              <a:ext uri="{FF2B5EF4-FFF2-40B4-BE49-F238E27FC236}">
-                <a16:creationId xmlns:a16="http://schemas.microsoft.com/office/drawing/2014/main" id="{EAB530A5-6732-4360-AA0C-E24B51364727}"/>
+              <a:t>데이터 검색</a:t>
+            </a:r>
+          </a:p>
+        </p:txBody>
+      </p:sp>
+      <p:sp>
+        <p:nvSpPr>
+          <p:cNvPr id="16" name="TextBox 15">
+            <a:extLst>
+              <a:ext uri="{FF2B5EF4-FFF2-40B4-BE49-F238E27FC236}">
+                <a16:creationId xmlns:a16="http://schemas.microsoft.com/office/drawing/2014/main" id="{F3186B47-60D1-415E-A6C4-3594A260EFC2}"/>
+              </a:ext>
+            </a:extLst>
+          </p:cNvPr>
+          <p:cNvSpPr txBox="1"/>
+          <p:nvPr/>
+        </p:nvSpPr>
+        <p:spPr>
+          <a:xfrm>
+            <a:off x="5154683" y="5241678"/>
+            <a:ext cx="2985796" cy="369332"/>
+          </a:xfrm>
+          <a:prstGeom prst="rect">
+            <a:avLst/>
+          </a:prstGeom>
+          <a:noFill/>
+        </p:spPr>
+        <p:txBody>
+          <a:bodyPr wrap="square" rtlCol="0">
+            <a:spAutoFit/>
+          </a:bodyPr>
+          <a:lstStyle/>
+          <a:p>
+            <a:r>
+              <a:rPr lang="en-US" altLang="ko-KR" dirty="0" err="1" smtClean="0"/>
+              <a:t>index</a:t>
+            </a:r>
+            <a:r>
+              <a:rPr lang="en-US" altLang="ko-KR" dirty="0" err="1" smtClean="0"/>
+              <a:t>.ejs</a:t>
+            </a:r>
+            <a:endParaRPr lang="ko-KR" altLang="en-US" dirty="0"/>
+          </a:p>
+        </p:txBody>
+      </p:sp>
+      <p:cxnSp>
+        <p:nvCxnSpPr>
+          <p:cNvPr id="19" name="직선 연결선 18">
+            <a:extLst>
+              <a:ext uri="{FF2B5EF4-FFF2-40B4-BE49-F238E27FC236}">
+                <a16:creationId xmlns:a16="http://schemas.microsoft.com/office/drawing/2014/main" id="{53D03D58-FB0B-4512-A50C-20CE63F9D97D}"/>
+              </a:ext>
+            </a:extLst>
+          </p:cNvPr>
+          <p:cNvCxnSpPr/>
+          <p:nvPr/>
+        </p:nvCxnSpPr>
+        <p:spPr>
+          <a:xfrm flipV="1">
+            <a:off x="915924" y="2300140"/>
+            <a:ext cx="10283120" cy="16333"/>
+          </a:xfrm>
+          <a:prstGeom prst="line">
+            <a:avLst/>
+          </a:prstGeom>
+        </p:spPr>
+        <p:style>
+          <a:lnRef idx="1">
+            <a:schemeClr val="accent1"/>
+          </a:lnRef>
+          <a:fillRef idx="0">
+            <a:schemeClr val="accent1"/>
+          </a:fillRef>
+          <a:effectRef idx="0">
+            <a:schemeClr val="accent1"/>
+          </a:effectRef>
+          <a:fontRef idx="minor">
+            <a:schemeClr val="tx1"/>
+          </a:fontRef>
+        </p:style>
+      </p:cxnSp>
+      <p:sp>
+        <p:nvSpPr>
+          <p:cNvPr id="24" name="직사각형 23">
+            <a:extLst>
+              <a:ext uri="{FF2B5EF4-FFF2-40B4-BE49-F238E27FC236}">
+                <a16:creationId xmlns:a16="http://schemas.microsoft.com/office/drawing/2014/main" id="{DAE9B5D3-3169-41B7-9D32-219AA0EB96D6}"/>
               </a:ext>
             </a:extLst>
           </p:cNvPr>
@@ -3548,8 +3635,8 @@
         </p:nvSpPr>
         <p:spPr>
           <a:xfrm>
-            <a:off x="8151589" y="1795029"/>
-            <a:ext cx="2467319" cy="330566"/>
+            <a:off x="1065311" y="429944"/>
+            <a:ext cx="3393568" cy="380761"/>
           </a:xfrm>
           <a:prstGeom prst="rect">
             <a:avLst/>
@@ -3578,22 +3665,27 @@
           <a:p>
             <a:pPr algn="ctr"/>
             <a:r>
-              <a:rPr lang="ko-KR" altLang="en-US" dirty="0">
+              <a:rPr lang="ko-KR" altLang="en-US" sz="1400" dirty="0" smtClean="0">
                 <a:solidFill>
                   <a:schemeClr val="tx1"/>
                 </a:solidFill>
               </a:rPr>
-              <a:t>데이터 검색 </a:t>
-            </a:r>
-          </a:p>
-        </p:txBody>
-      </p:sp>
-      <p:sp>
-        <p:nvSpPr>
-          <p:cNvPr id="9" name="직사각형 8">
-            <a:extLst>
-              <a:ext uri="{FF2B5EF4-FFF2-40B4-BE49-F238E27FC236}">
-                <a16:creationId xmlns:a16="http://schemas.microsoft.com/office/drawing/2014/main" id="{AB0791EB-ED7A-4940-9BF9-976F260340E5}"/>
+              <a:t>이력 정보 관리시스템</a:t>
+            </a:r>
+            <a:endParaRPr lang="ko-KR" altLang="en-US" sz="1400" dirty="0">
+              <a:solidFill>
+                <a:schemeClr val="tx1"/>
+              </a:solidFill>
+            </a:endParaRPr>
+          </a:p>
+        </p:txBody>
+      </p:sp>
+      <p:sp>
+        <p:nvSpPr>
+          <p:cNvPr id="25" name="직사각형 24">
+            <a:extLst>
+              <a:ext uri="{FF2B5EF4-FFF2-40B4-BE49-F238E27FC236}">
+                <a16:creationId xmlns:a16="http://schemas.microsoft.com/office/drawing/2014/main" id="{DAE9B5D3-3169-41B7-9D32-219AA0EB96D6}"/>
               </a:ext>
             </a:extLst>
           </p:cNvPr>
@@ -3602,8 +3694,8 @@
         </p:nvSpPr>
         <p:spPr>
           <a:xfrm>
-            <a:off x="8151593" y="2338849"/>
-            <a:ext cx="2467319" cy="330566"/>
+            <a:off x="9766169" y="473346"/>
+            <a:ext cx="1283618" cy="337359"/>
           </a:xfrm>
           <a:prstGeom prst="rect">
             <a:avLst/>
@@ -3632,298 +3724,12 @@
           <a:p>
             <a:pPr algn="ctr"/>
             <a:r>
-              <a:rPr lang="en-US" altLang="ko-KR" dirty="0">
+              <a:rPr lang="ko-KR" altLang="en-US" sz="1400" dirty="0" smtClean="0">
                 <a:solidFill>
                   <a:schemeClr val="tx1"/>
                 </a:solidFill>
               </a:rPr>
-              <a:t>Sender</a:t>
-            </a:r>
-            <a:r>
-              <a:rPr lang="ko-KR" altLang="en-US" dirty="0">
-                <a:solidFill>
-                  <a:schemeClr val="tx1"/>
-                </a:solidFill>
-              </a:rPr>
-              <a:t> 검색 </a:t>
-            </a:r>
-          </a:p>
-        </p:txBody>
-      </p:sp>
-      <p:sp>
-        <p:nvSpPr>
-          <p:cNvPr id="10" name="직사각형 9">
-            <a:extLst>
-              <a:ext uri="{FF2B5EF4-FFF2-40B4-BE49-F238E27FC236}">
-                <a16:creationId xmlns:a16="http://schemas.microsoft.com/office/drawing/2014/main" id="{A057CE68-25B4-4C71-88CA-FD0817F3483E}"/>
-              </a:ext>
-            </a:extLst>
-          </p:cNvPr>
-          <p:cNvSpPr/>
-          <p:nvPr/>
-        </p:nvSpPr>
-        <p:spPr>
-          <a:xfrm>
-            <a:off x="8151592" y="3043852"/>
-            <a:ext cx="2467319" cy="330566"/>
-          </a:xfrm>
-          <a:prstGeom prst="rect">
-            <a:avLst/>
-          </a:prstGeom>
-          <a:noFill/>
-        </p:spPr>
-        <p:style>
-          <a:lnRef idx="2">
-            <a:schemeClr val="accent1">
-              <a:shade val="50000"/>
-            </a:schemeClr>
-          </a:lnRef>
-          <a:fillRef idx="1">
-            <a:schemeClr val="accent1"/>
-          </a:fillRef>
-          <a:effectRef idx="0">
-            <a:schemeClr val="accent1"/>
-          </a:effectRef>
-          <a:fontRef idx="minor">
-            <a:schemeClr val="lt1"/>
-          </a:fontRef>
-        </p:style>
-        <p:txBody>
-          <a:bodyPr rtlCol="0" anchor="ctr"/>
-          <a:lstStyle/>
-          <a:p>
-            <a:pPr algn="ctr"/>
-            <a:r>
-              <a:rPr lang="en-US" altLang="ko-KR" dirty="0">
-                <a:solidFill>
-                  <a:schemeClr val="tx1"/>
-                </a:solidFill>
-              </a:rPr>
-              <a:t>Receiver</a:t>
-            </a:r>
-            <a:r>
-              <a:rPr lang="ko-KR" altLang="en-US" dirty="0">
-                <a:solidFill>
-                  <a:schemeClr val="tx1"/>
-                </a:solidFill>
-              </a:rPr>
-              <a:t> 검색 </a:t>
-            </a:r>
-          </a:p>
-        </p:txBody>
-      </p:sp>
-      <p:sp>
-        <p:nvSpPr>
-          <p:cNvPr id="11" name="직사각형 10">
-            <a:extLst>
-              <a:ext uri="{FF2B5EF4-FFF2-40B4-BE49-F238E27FC236}">
-                <a16:creationId xmlns:a16="http://schemas.microsoft.com/office/drawing/2014/main" id="{0A36F82F-D9B2-4E86-B9A8-20C0A979EF16}"/>
-              </a:ext>
-            </a:extLst>
-          </p:cNvPr>
-          <p:cNvSpPr/>
-          <p:nvPr/>
-        </p:nvSpPr>
-        <p:spPr>
-          <a:xfrm>
-            <a:off x="8151591" y="3661700"/>
-            <a:ext cx="2467319" cy="330566"/>
-          </a:xfrm>
-          <a:prstGeom prst="rect">
-            <a:avLst/>
-          </a:prstGeom>
-          <a:noFill/>
-        </p:spPr>
-        <p:style>
-          <a:lnRef idx="2">
-            <a:schemeClr val="accent1">
-              <a:shade val="50000"/>
-            </a:schemeClr>
-          </a:lnRef>
-          <a:fillRef idx="1">
-            <a:schemeClr val="accent1"/>
-          </a:fillRef>
-          <a:effectRef idx="0">
-            <a:schemeClr val="accent1"/>
-          </a:effectRef>
-          <a:fontRef idx="minor">
-            <a:schemeClr val="lt1"/>
-          </a:fontRef>
-        </p:style>
-        <p:txBody>
-          <a:bodyPr rtlCol="0" anchor="ctr"/>
-          <a:lstStyle/>
-          <a:p>
-            <a:pPr algn="ctr"/>
-            <a:r>
-              <a:rPr lang="ko-KR" altLang="en-US" dirty="0">
-                <a:solidFill>
-                  <a:schemeClr val="tx1"/>
-                </a:solidFill>
-              </a:rPr>
-              <a:t>기간 검색 </a:t>
-            </a:r>
-          </a:p>
-        </p:txBody>
-      </p:sp>
-      <p:sp>
-        <p:nvSpPr>
-          <p:cNvPr id="12" name="직사각형 11">
-            <a:extLst>
-              <a:ext uri="{FF2B5EF4-FFF2-40B4-BE49-F238E27FC236}">
-                <a16:creationId xmlns:a16="http://schemas.microsoft.com/office/drawing/2014/main" id="{13D60781-DD5D-4BC7-A22B-34CB3D2D3577}"/>
-              </a:ext>
-            </a:extLst>
-          </p:cNvPr>
-          <p:cNvSpPr/>
-          <p:nvPr/>
-        </p:nvSpPr>
-        <p:spPr>
-          <a:xfrm>
-            <a:off x="8151590" y="4323420"/>
-            <a:ext cx="2467319" cy="330566"/>
-          </a:xfrm>
-          <a:prstGeom prst="rect">
-            <a:avLst/>
-          </a:prstGeom>
-          <a:noFill/>
-        </p:spPr>
-        <p:style>
-          <a:lnRef idx="2">
-            <a:schemeClr val="accent1">
-              <a:shade val="50000"/>
-            </a:schemeClr>
-          </a:lnRef>
-          <a:fillRef idx="1">
-            <a:schemeClr val="accent1"/>
-          </a:fillRef>
-          <a:effectRef idx="0">
-            <a:schemeClr val="accent1"/>
-          </a:effectRef>
-          <a:fontRef idx="minor">
-            <a:schemeClr val="lt1"/>
-          </a:fontRef>
-        </p:style>
-        <p:txBody>
-          <a:bodyPr rtlCol="0" anchor="ctr"/>
-          <a:lstStyle/>
-          <a:p>
-            <a:pPr algn="ctr"/>
-            <a:r>
-              <a:rPr lang="ko-KR" altLang="en-US" dirty="0">
-                <a:solidFill>
-                  <a:schemeClr val="tx1"/>
-                </a:solidFill>
-              </a:rPr>
-              <a:t>속성 검색 </a:t>
-            </a:r>
-          </a:p>
-        </p:txBody>
-      </p:sp>
-      <p:sp>
-        <p:nvSpPr>
-          <p:cNvPr id="13" name="직사각형 12">
-            <a:extLst>
-              <a:ext uri="{FF2B5EF4-FFF2-40B4-BE49-F238E27FC236}">
-                <a16:creationId xmlns:a16="http://schemas.microsoft.com/office/drawing/2014/main" id="{DAE9B5D3-3169-41B7-9D32-219AA0EB96D6}"/>
-              </a:ext>
-            </a:extLst>
-          </p:cNvPr>
-          <p:cNvSpPr/>
-          <p:nvPr/>
-        </p:nvSpPr>
-        <p:spPr>
-          <a:xfrm>
-            <a:off x="461995" y="1022816"/>
-            <a:ext cx="1180194" cy="330565"/>
-          </a:xfrm>
-          <a:prstGeom prst="rect">
-            <a:avLst/>
-          </a:prstGeom>
-          <a:noFill/>
-        </p:spPr>
-        <p:style>
-          <a:lnRef idx="2">
-            <a:schemeClr val="accent1">
-              <a:shade val="50000"/>
-            </a:schemeClr>
-          </a:lnRef>
-          <a:fillRef idx="1">
-            <a:schemeClr val="accent1"/>
-          </a:fillRef>
-          <a:effectRef idx="0">
-            <a:schemeClr val="accent1"/>
-          </a:effectRef>
-          <a:fontRef idx="minor">
-            <a:schemeClr val="lt1"/>
-          </a:fontRef>
-        </p:style>
-        <p:txBody>
-          <a:bodyPr rtlCol="0" anchor="ctr"/>
-          <a:lstStyle/>
-          <a:p>
-            <a:pPr algn="ctr"/>
-            <a:r>
-              <a:rPr lang="ko-KR" altLang="en-US" sz="1400" dirty="0">
-                <a:solidFill>
-                  <a:schemeClr val="tx1"/>
-                </a:solidFill>
-              </a:rPr>
-              <a:t>데이터 보기</a:t>
-            </a:r>
-          </a:p>
-        </p:txBody>
-      </p:sp>
-      <p:sp>
-        <p:nvSpPr>
-          <p:cNvPr id="14" name="직사각형 13">
-            <a:extLst>
-              <a:ext uri="{FF2B5EF4-FFF2-40B4-BE49-F238E27FC236}">
-                <a16:creationId xmlns:a16="http://schemas.microsoft.com/office/drawing/2014/main" id="{E1E69C98-EF4F-48E9-8AF6-A151C3DFE1CA}"/>
-              </a:ext>
-            </a:extLst>
-          </p:cNvPr>
-          <p:cNvSpPr/>
-          <p:nvPr/>
-        </p:nvSpPr>
-        <p:spPr>
-          <a:xfrm>
-            <a:off x="1934046" y="1022816"/>
-            <a:ext cx="1180194" cy="330565"/>
-          </a:xfrm>
-          <a:prstGeom prst="rect">
-            <a:avLst/>
-          </a:prstGeom>
-          <a:noFill/>
-        </p:spPr>
-        <p:style>
-          <a:lnRef idx="2">
-            <a:schemeClr val="accent1">
-              <a:shade val="50000"/>
-            </a:schemeClr>
-          </a:lnRef>
-          <a:fillRef idx="1">
-            <a:schemeClr val="accent1"/>
-          </a:fillRef>
-          <a:effectRef idx="0">
-            <a:schemeClr val="accent1"/>
-          </a:effectRef>
-          <a:fontRef idx="minor">
-            <a:schemeClr val="lt1"/>
-          </a:fontRef>
-        </p:style>
-        <p:txBody>
-          <a:bodyPr rtlCol="0" anchor="ctr"/>
-          <a:lstStyle/>
-          <a:p>
-            <a:pPr algn="ctr"/>
-            <a:r>
-              <a:rPr lang="ko-KR" altLang="en-US" sz="1400">
-                <a:solidFill>
-                  <a:schemeClr val="tx1"/>
-                </a:solidFill>
-              </a:rPr>
-              <a:t>데이터 추가</a:t>
+              <a:t>로그인</a:t>
             </a:r>
             <a:endParaRPr lang="ko-KR" altLang="en-US" sz="1400" dirty="0">
               <a:solidFill>
@@ -3933,375 +3739,10 @@
           </a:p>
         </p:txBody>
       </p:sp>
-      <p:sp>
-        <p:nvSpPr>
-          <p:cNvPr id="15" name="직사각형 14">
-            <a:extLst>
-              <a:ext uri="{FF2B5EF4-FFF2-40B4-BE49-F238E27FC236}">
-                <a16:creationId xmlns:a16="http://schemas.microsoft.com/office/drawing/2014/main" id="{C9BB0AE7-C71E-4BBF-BD39-5B9DB8AFA432}"/>
-              </a:ext>
-            </a:extLst>
-          </p:cNvPr>
-          <p:cNvSpPr/>
-          <p:nvPr/>
-        </p:nvSpPr>
-        <p:spPr>
-          <a:xfrm>
-            <a:off x="3406097" y="1022815"/>
-            <a:ext cx="1180194" cy="330565"/>
-          </a:xfrm>
-          <a:prstGeom prst="rect">
-            <a:avLst/>
-          </a:prstGeom>
-          <a:noFill/>
-        </p:spPr>
-        <p:style>
-          <a:lnRef idx="2">
-            <a:schemeClr val="accent1">
-              <a:shade val="50000"/>
-            </a:schemeClr>
-          </a:lnRef>
-          <a:fillRef idx="1">
-            <a:schemeClr val="accent1"/>
-          </a:fillRef>
-          <a:effectRef idx="0">
-            <a:schemeClr val="accent1"/>
-          </a:effectRef>
-          <a:fontRef idx="minor">
-            <a:schemeClr val="lt1"/>
-          </a:fontRef>
-        </p:style>
-        <p:txBody>
-          <a:bodyPr rtlCol="0" anchor="ctr"/>
-          <a:lstStyle/>
-          <a:p>
-            <a:pPr algn="ctr"/>
-            <a:r>
-              <a:rPr lang="ko-KR" altLang="en-US" sz="1400" dirty="0">
-                <a:solidFill>
-                  <a:schemeClr val="tx1"/>
-                </a:solidFill>
-              </a:rPr>
-              <a:t>데이터 검색</a:t>
-            </a:r>
-          </a:p>
-        </p:txBody>
-      </p:sp>
-      <p:sp>
-        <p:nvSpPr>
-          <p:cNvPr id="16" name="TextBox 15">
-            <a:extLst>
-              <a:ext uri="{FF2B5EF4-FFF2-40B4-BE49-F238E27FC236}">
-                <a16:creationId xmlns:a16="http://schemas.microsoft.com/office/drawing/2014/main" id="{F3186B47-60D1-415E-A6C4-3594A260EFC2}"/>
-              </a:ext>
-            </a:extLst>
-          </p:cNvPr>
-          <p:cNvSpPr txBox="1"/>
-          <p:nvPr/>
-        </p:nvSpPr>
-        <p:spPr>
-          <a:xfrm>
-            <a:off x="1663459" y="5249241"/>
-            <a:ext cx="2985796" cy="369332"/>
-          </a:xfrm>
-          <a:prstGeom prst="rect">
-            <a:avLst/>
-          </a:prstGeom>
-          <a:noFill/>
-        </p:spPr>
-        <p:txBody>
-          <a:bodyPr wrap="square" rtlCol="0">
-            <a:spAutoFit/>
-          </a:bodyPr>
-          <a:lstStyle/>
-          <a:p>
-            <a:r>
-              <a:rPr lang="en-US" altLang="ko-KR" dirty="0" err="1"/>
-              <a:t>SeachPage.ejs</a:t>
-            </a:r>
-            <a:endParaRPr lang="ko-KR" altLang="en-US" dirty="0"/>
-          </a:p>
-        </p:txBody>
-      </p:sp>
-      <p:sp>
-        <p:nvSpPr>
-          <p:cNvPr id="17" name="TextBox 16">
-            <a:extLst>
-              <a:ext uri="{FF2B5EF4-FFF2-40B4-BE49-F238E27FC236}">
-                <a16:creationId xmlns:a16="http://schemas.microsoft.com/office/drawing/2014/main" id="{E4090D8A-693F-4BDB-920F-6367D6908982}"/>
-              </a:ext>
-            </a:extLst>
-          </p:cNvPr>
-          <p:cNvSpPr txBox="1"/>
-          <p:nvPr/>
-        </p:nvSpPr>
-        <p:spPr>
-          <a:xfrm>
-            <a:off x="7883027" y="5257320"/>
-            <a:ext cx="2985796" cy="369332"/>
-          </a:xfrm>
-          <a:prstGeom prst="rect">
-            <a:avLst/>
-          </a:prstGeom>
-          <a:noFill/>
-        </p:spPr>
-        <p:txBody>
-          <a:bodyPr wrap="square" rtlCol="0">
-            <a:spAutoFit/>
-          </a:bodyPr>
-          <a:lstStyle/>
-          <a:p>
-            <a:r>
-              <a:rPr lang="ko-KR" altLang="en-US"/>
-              <a:t>조건 검색 버튼 후 페이지</a:t>
-            </a:r>
-            <a:endParaRPr lang="ko-KR" altLang="en-US" dirty="0"/>
-          </a:p>
-        </p:txBody>
-      </p:sp>
-      <p:cxnSp>
-        <p:nvCxnSpPr>
-          <p:cNvPr id="19" name="직선 연결선 18">
-            <a:extLst>
-              <a:ext uri="{FF2B5EF4-FFF2-40B4-BE49-F238E27FC236}">
-                <a16:creationId xmlns:a16="http://schemas.microsoft.com/office/drawing/2014/main" id="{53D03D58-FB0B-4512-A50C-20CE63F9D97D}"/>
-              </a:ext>
-            </a:extLst>
-          </p:cNvPr>
-          <p:cNvCxnSpPr/>
-          <p:nvPr/>
-        </p:nvCxnSpPr>
-        <p:spPr>
-          <a:xfrm>
-            <a:off x="322035" y="1562329"/>
-            <a:ext cx="4404220" cy="0"/>
-          </a:xfrm>
-          <a:prstGeom prst="line">
-            <a:avLst/>
-          </a:prstGeom>
-        </p:spPr>
-        <p:style>
-          <a:lnRef idx="1">
-            <a:schemeClr val="accent1"/>
-          </a:lnRef>
-          <a:fillRef idx="0">
-            <a:schemeClr val="accent1"/>
-          </a:fillRef>
-          <a:effectRef idx="0">
-            <a:schemeClr val="accent1"/>
-          </a:effectRef>
-          <a:fontRef idx="minor">
-            <a:schemeClr val="tx1"/>
-          </a:fontRef>
-        </p:style>
-      </p:cxnSp>
-      <p:sp>
-        <p:nvSpPr>
-          <p:cNvPr id="20" name="직사각형 19">
-            <a:extLst>
-              <a:ext uri="{FF2B5EF4-FFF2-40B4-BE49-F238E27FC236}">
-                <a16:creationId xmlns:a16="http://schemas.microsoft.com/office/drawing/2014/main" id="{29B2CD89-21E5-418B-8577-8C1286C60B88}"/>
-              </a:ext>
-            </a:extLst>
-          </p:cNvPr>
-          <p:cNvSpPr/>
-          <p:nvPr/>
-        </p:nvSpPr>
-        <p:spPr>
-          <a:xfrm>
-            <a:off x="7313775" y="905211"/>
-            <a:ext cx="1180194" cy="330565"/>
-          </a:xfrm>
-          <a:prstGeom prst="rect">
-            <a:avLst/>
-          </a:prstGeom>
-          <a:noFill/>
-        </p:spPr>
-        <p:style>
-          <a:lnRef idx="2">
-            <a:schemeClr val="accent1">
-              <a:shade val="50000"/>
-            </a:schemeClr>
-          </a:lnRef>
-          <a:fillRef idx="1">
-            <a:schemeClr val="accent1"/>
-          </a:fillRef>
-          <a:effectRef idx="0">
-            <a:schemeClr val="accent1"/>
-          </a:effectRef>
-          <a:fontRef idx="minor">
-            <a:schemeClr val="lt1"/>
-          </a:fontRef>
-        </p:style>
-        <p:txBody>
-          <a:bodyPr rtlCol="0" anchor="ctr"/>
-          <a:lstStyle/>
-          <a:p>
-            <a:pPr algn="ctr"/>
-            <a:r>
-              <a:rPr lang="ko-KR" altLang="en-US" sz="1400" dirty="0">
-                <a:solidFill>
-                  <a:schemeClr val="tx1"/>
-                </a:solidFill>
-              </a:rPr>
-              <a:t>데이터 보기</a:t>
-            </a:r>
-          </a:p>
-        </p:txBody>
-      </p:sp>
-      <p:sp>
-        <p:nvSpPr>
-          <p:cNvPr id="21" name="직사각형 20">
-            <a:extLst>
-              <a:ext uri="{FF2B5EF4-FFF2-40B4-BE49-F238E27FC236}">
-                <a16:creationId xmlns:a16="http://schemas.microsoft.com/office/drawing/2014/main" id="{1B12371B-0BB8-462A-839E-0F037F11F6C7}"/>
-              </a:ext>
-            </a:extLst>
-          </p:cNvPr>
-          <p:cNvSpPr/>
-          <p:nvPr/>
-        </p:nvSpPr>
-        <p:spPr>
-          <a:xfrm>
-            <a:off x="8785826" y="905211"/>
-            <a:ext cx="1180194" cy="330565"/>
-          </a:xfrm>
-          <a:prstGeom prst="rect">
-            <a:avLst/>
-          </a:prstGeom>
-          <a:noFill/>
-        </p:spPr>
-        <p:style>
-          <a:lnRef idx="2">
-            <a:schemeClr val="accent1">
-              <a:shade val="50000"/>
-            </a:schemeClr>
-          </a:lnRef>
-          <a:fillRef idx="1">
-            <a:schemeClr val="accent1"/>
-          </a:fillRef>
-          <a:effectRef idx="0">
-            <a:schemeClr val="accent1"/>
-          </a:effectRef>
-          <a:fontRef idx="minor">
-            <a:schemeClr val="lt1"/>
-          </a:fontRef>
-        </p:style>
-        <p:txBody>
-          <a:bodyPr rtlCol="0" anchor="ctr"/>
-          <a:lstStyle/>
-          <a:p>
-            <a:pPr algn="ctr"/>
-            <a:r>
-              <a:rPr lang="ko-KR" altLang="en-US" sz="1400">
-                <a:solidFill>
-                  <a:schemeClr val="tx1"/>
-                </a:solidFill>
-              </a:rPr>
-              <a:t>데이터 추가</a:t>
-            </a:r>
-            <a:endParaRPr lang="ko-KR" altLang="en-US" sz="1400" dirty="0">
-              <a:solidFill>
-                <a:schemeClr val="tx1"/>
-              </a:solidFill>
-            </a:endParaRPr>
-          </a:p>
-        </p:txBody>
-      </p:sp>
-      <p:sp>
-        <p:nvSpPr>
-          <p:cNvPr id="22" name="직사각형 21">
-            <a:extLst>
-              <a:ext uri="{FF2B5EF4-FFF2-40B4-BE49-F238E27FC236}">
-                <a16:creationId xmlns:a16="http://schemas.microsoft.com/office/drawing/2014/main" id="{34819DA1-53F5-4F47-BE40-2668C7F0FA22}"/>
-              </a:ext>
-            </a:extLst>
-          </p:cNvPr>
-          <p:cNvSpPr/>
-          <p:nvPr/>
-        </p:nvSpPr>
-        <p:spPr>
-          <a:xfrm>
-            <a:off x="10257877" y="905210"/>
-            <a:ext cx="1180194" cy="330565"/>
-          </a:xfrm>
-          <a:prstGeom prst="rect">
-            <a:avLst/>
-          </a:prstGeom>
-          <a:noFill/>
-        </p:spPr>
-        <p:style>
-          <a:lnRef idx="2">
-            <a:schemeClr val="accent1">
-              <a:shade val="50000"/>
-            </a:schemeClr>
-          </a:lnRef>
-          <a:fillRef idx="1">
-            <a:schemeClr val="accent1"/>
-          </a:fillRef>
-          <a:effectRef idx="0">
-            <a:schemeClr val="accent1"/>
-          </a:effectRef>
-          <a:fontRef idx="minor">
-            <a:schemeClr val="lt1"/>
-          </a:fontRef>
-        </p:style>
-        <p:txBody>
-          <a:bodyPr rtlCol="0" anchor="ctr"/>
-          <a:lstStyle/>
-          <a:p>
-            <a:pPr algn="ctr"/>
-            <a:r>
-              <a:rPr lang="ko-KR" altLang="en-US" sz="1400" dirty="0">
-                <a:solidFill>
-                  <a:schemeClr val="tx1"/>
-                </a:solidFill>
-              </a:rPr>
-              <a:t>데이터 검색</a:t>
-            </a:r>
-          </a:p>
-        </p:txBody>
-      </p:sp>
-      <p:cxnSp>
-        <p:nvCxnSpPr>
-          <p:cNvPr id="23" name="직선 연결선 22">
-            <a:extLst>
-              <a:ext uri="{FF2B5EF4-FFF2-40B4-BE49-F238E27FC236}">
-                <a16:creationId xmlns:a16="http://schemas.microsoft.com/office/drawing/2014/main" id="{83A3BC97-9FB1-46FD-92D9-4C1C79EEE5D6}"/>
-              </a:ext>
-            </a:extLst>
-          </p:cNvPr>
-          <p:cNvCxnSpPr/>
-          <p:nvPr/>
-        </p:nvCxnSpPr>
-        <p:spPr>
-          <a:xfrm>
-            <a:off x="7173815" y="1444724"/>
-            <a:ext cx="4404220" cy="0"/>
-          </a:xfrm>
-          <a:prstGeom prst="line">
-            <a:avLst/>
-          </a:prstGeom>
-        </p:spPr>
-        <p:style>
-          <a:lnRef idx="1">
-            <a:schemeClr val="accent1"/>
-          </a:lnRef>
-          <a:fillRef idx="0">
-            <a:schemeClr val="accent1"/>
-          </a:fillRef>
-          <a:effectRef idx="0">
-            <a:schemeClr val="accent1"/>
-          </a:effectRef>
-          <a:fontRef idx="minor">
-            <a:schemeClr val="tx1"/>
-          </a:fontRef>
-        </p:style>
-      </p:cxnSp>
     </p:spTree>
     <p:extLst>
       <p:ext uri="{BB962C8B-B14F-4D97-AF65-F5344CB8AC3E}">
-        <p14:creationId xmlns:p14="http://schemas.microsoft.com/office/powerpoint/2010/main" val="3226278740"/>
+        <p14:creationId xmlns:p14="http://schemas.microsoft.com/office/powerpoint/2010/main" val="3070121898"/>
       </p:ext>
     </p:extLst>
   </p:cSld>
@@ -4312,6 +3753,2616 @@
 </file>
 
 <file path=ppt/slides/slide2.xml><?xml version="1.0" encoding="utf-8"?>
+<p:sld xmlns:a="http://schemas.openxmlformats.org/drawingml/2006/main" xmlns:r="http://schemas.openxmlformats.org/officeDocument/2006/relationships" xmlns:p="http://schemas.openxmlformats.org/presentationml/2006/main">
+  <p:cSld>
+    <p:spTree>
+      <p:nvGrpSpPr>
+        <p:cNvPr id="1" name=""/>
+        <p:cNvGrpSpPr/>
+        <p:nvPr/>
+      </p:nvGrpSpPr>
+      <p:grpSpPr>
+        <a:xfrm>
+          <a:off x="0" y="0"/>
+          <a:ext cx="0" cy="0"/>
+          <a:chOff x="0" y="0"/>
+          <a:chExt cx="0" cy="0"/>
+        </a:xfrm>
+      </p:grpSpPr>
+      <p:sp>
+        <p:nvSpPr>
+          <p:cNvPr id="4" name="직사각형 3">
+            <a:extLst>
+              <a:ext uri="{FF2B5EF4-FFF2-40B4-BE49-F238E27FC236}">
+                <a16:creationId xmlns:a16="http://schemas.microsoft.com/office/drawing/2014/main" id="{79CE9E51-2A28-4479-95B6-D01D5BE41644}"/>
+              </a:ext>
+            </a:extLst>
+          </p:cNvPr>
+          <p:cNvSpPr/>
+          <p:nvPr/>
+        </p:nvSpPr>
+        <p:spPr>
+          <a:xfrm>
+            <a:off x="915924" y="356788"/>
+            <a:ext cx="10283120" cy="4647501"/>
+          </a:xfrm>
+          <a:prstGeom prst="rect">
+            <a:avLst/>
+          </a:prstGeom>
+          <a:noFill/>
+        </p:spPr>
+        <p:style>
+          <a:lnRef idx="2">
+            <a:schemeClr val="accent1">
+              <a:shade val="50000"/>
+            </a:schemeClr>
+          </a:lnRef>
+          <a:fillRef idx="1">
+            <a:schemeClr val="accent1"/>
+          </a:fillRef>
+          <a:effectRef idx="0">
+            <a:schemeClr val="accent1"/>
+          </a:effectRef>
+          <a:fontRef idx="minor">
+            <a:schemeClr val="lt1"/>
+          </a:fontRef>
+        </p:style>
+        <p:txBody>
+          <a:bodyPr rtlCol="0" anchor="ctr"/>
+          <a:lstStyle/>
+          <a:p>
+            <a:pPr algn="ctr"/>
+            <a:endParaRPr lang="ko-KR" altLang="en-US" dirty="0"/>
+          </a:p>
+        </p:txBody>
+      </p:sp>
+      <p:sp>
+        <p:nvSpPr>
+          <p:cNvPr id="13" name="직사각형 12">
+            <a:extLst>
+              <a:ext uri="{FF2B5EF4-FFF2-40B4-BE49-F238E27FC236}">
+                <a16:creationId xmlns:a16="http://schemas.microsoft.com/office/drawing/2014/main" id="{DAE9B5D3-3169-41B7-9D32-219AA0EB96D6}"/>
+              </a:ext>
+            </a:extLst>
+          </p:cNvPr>
+          <p:cNvSpPr/>
+          <p:nvPr/>
+        </p:nvSpPr>
+        <p:spPr>
+          <a:xfrm>
+            <a:off x="5316557" y="3819473"/>
+            <a:ext cx="1180194" cy="330565"/>
+          </a:xfrm>
+          <a:prstGeom prst="rect">
+            <a:avLst/>
+          </a:prstGeom>
+          <a:noFill/>
+        </p:spPr>
+        <p:style>
+          <a:lnRef idx="2">
+            <a:schemeClr val="accent1">
+              <a:shade val="50000"/>
+            </a:schemeClr>
+          </a:lnRef>
+          <a:fillRef idx="1">
+            <a:schemeClr val="accent1"/>
+          </a:fillRef>
+          <a:effectRef idx="0">
+            <a:schemeClr val="accent1"/>
+          </a:effectRef>
+          <a:fontRef idx="minor">
+            <a:schemeClr val="lt1"/>
+          </a:fontRef>
+        </p:style>
+        <p:txBody>
+          <a:bodyPr rtlCol="0" anchor="ctr"/>
+          <a:lstStyle/>
+          <a:p>
+            <a:pPr algn="ctr"/>
+            <a:r>
+              <a:rPr lang="ko-KR" altLang="en-US" sz="1400" dirty="0" smtClean="0">
+                <a:solidFill>
+                  <a:schemeClr val="tx1"/>
+                </a:solidFill>
+              </a:rPr>
+              <a:t>확인</a:t>
+            </a:r>
+            <a:endParaRPr lang="ko-KR" altLang="en-US" sz="1400" dirty="0">
+              <a:solidFill>
+                <a:schemeClr val="tx1"/>
+              </a:solidFill>
+            </a:endParaRPr>
+          </a:p>
+        </p:txBody>
+      </p:sp>
+      <p:sp>
+        <p:nvSpPr>
+          <p:cNvPr id="14" name="직사각형 13">
+            <a:extLst>
+              <a:ext uri="{FF2B5EF4-FFF2-40B4-BE49-F238E27FC236}">
+                <a16:creationId xmlns:a16="http://schemas.microsoft.com/office/drawing/2014/main" id="{E1E69C98-EF4F-48E9-8AF6-A151C3DFE1CA}"/>
+              </a:ext>
+            </a:extLst>
+          </p:cNvPr>
+          <p:cNvSpPr/>
+          <p:nvPr/>
+        </p:nvSpPr>
+        <p:spPr>
+          <a:xfrm>
+            <a:off x="4498110" y="1743959"/>
+            <a:ext cx="2817089" cy="2516956"/>
+          </a:xfrm>
+          <a:prstGeom prst="rect">
+            <a:avLst/>
+          </a:prstGeom>
+          <a:noFill/>
+        </p:spPr>
+        <p:style>
+          <a:lnRef idx="2">
+            <a:schemeClr val="accent1">
+              <a:shade val="50000"/>
+            </a:schemeClr>
+          </a:lnRef>
+          <a:fillRef idx="1">
+            <a:schemeClr val="accent1"/>
+          </a:fillRef>
+          <a:effectRef idx="0">
+            <a:schemeClr val="accent1"/>
+          </a:effectRef>
+          <a:fontRef idx="minor">
+            <a:schemeClr val="lt1"/>
+          </a:fontRef>
+        </p:style>
+        <p:txBody>
+          <a:bodyPr rtlCol="0" anchor="ctr"/>
+          <a:lstStyle/>
+          <a:p>
+            <a:pPr algn="ctr"/>
+            <a:endParaRPr lang="ko-KR" altLang="en-US" sz="1400" dirty="0">
+              <a:solidFill>
+                <a:schemeClr val="tx1"/>
+              </a:solidFill>
+            </a:endParaRPr>
+          </a:p>
+        </p:txBody>
+      </p:sp>
+      <p:sp>
+        <p:nvSpPr>
+          <p:cNvPr id="15" name="직사각형 14">
+            <a:extLst>
+              <a:ext uri="{FF2B5EF4-FFF2-40B4-BE49-F238E27FC236}">
+                <a16:creationId xmlns:a16="http://schemas.microsoft.com/office/drawing/2014/main" id="{C9BB0AE7-C71E-4BBF-BD39-5B9DB8AFA432}"/>
+              </a:ext>
+            </a:extLst>
+          </p:cNvPr>
+          <p:cNvSpPr/>
+          <p:nvPr/>
+        </p:nvSpPr>
+        <p:spPr>
+          <a:xfrm>
+            <a:off x="4824387" y="2433685"/>
+            <a:ext cx="2164534" cy="366429"/>
+          </a:xfrm>
+          <a:prstGeom prst="rect">
+            <a:avLst/>
+          </a:prstGeom>
+          <a:noFill/>
+        </p:spPr>
+        <p:style>
+          <a:lnRef idx="2">
+            <a:schemeClr val="accent1">
+              <a:shade val="50000"/>
+            </a:schemeClr>
+          </a:lnRef>
+          <a:fillRef idx="1">
+            <a:schemeClr val="accent1"/>
+          </a:fillRef>
+          <a:effectRef idx="0">
+            <a:schemeClr val="accent1"/>
+          </a:effectRef>
+          <a:fontRef idx="minor">
+            <a:schemeClr val="lt1"/>
+          </a:fontRef>
+        </p:style>
+        <p:txBody>
+          <a:bodyPr rtlCol="0" anchor="ctr"/>
+          <a:lstStyle/>
+          <a:p>
+            <a:pPr algn="ctr"/>
+            <a:r>
+              <a:rPr lang="en-US" altLang="ko-KR" sz="1400" dirty="0" smtClean="0">
+                <a:solidFill>
+                  <a:schemeClr val="tx1"/>
+                </a:solidFill>
+              </a:rPr>
+              <a:t>id</a:t>
+            </a:r>
+            <a:endParaRPr lang="ko-KR" altLang="en-US" sz="1400" dirty="0">
+              <a:solidFill>
+                <a:schemeClr val="tx1"/>
+              </a:solidFill>
+            </a:endParaRPr>
+          </a:p>
+        </p:txBody>
+      </p:sp>
+      <p:sp>
+        <p:nvSpPr>
+          <p:cNvPr id="16" name="TextBox 15">
+            <a:extLst>
+              <a:ext uri="{FF2B5EF4-FFF2-40B4-BE49-F238E27FC236}">
+                <a16:creationId xmlns:a16="http://schemas.microsoft.com/office/drawing/2014/main" id="{F3186B47-60D1-415E-A6C4-3594A260EFC2}"/>
+              </a:ext>
+            </a:extLst>
+          </p:cNvPr>
+          <p:cNvSpPr txBox="1"/>
+          <p:nvPr/>
+        </p:nvSpPr>
+        <p:spPr>
+          <a:xfrm>
+            <a:off x="5154683" y="5241678"/>
+            <a:ext cx="2985796" cy="369332"/>
+          </a:xfrm>
+          <a:prstGeom prst="rect">
+            <a:avLst/>
+          </a:prstGeom>
+          <a:noFill/>
+        </p:spPr>
+        <p:txBody>
+          <a:bodyPr wrap="square" rtlCol="0">
+            <a:spAutoFit/>
+          </a:bodyPr>
+          <a:lstStyle/>
+          <a:p>
+            <a:r>
+              <a:rPr lang="en-US" altLang="ko-KR" dirty="0" err="1" smtClean="0"/>
+              <a:t>users</a:t>
+            </a:r>
+            <a:r>
+              <a:rPr lang="en-US" altLang="ko-KR" dirty="0" err="1" smtClean="0"/>
+              <a:t>.ejs</a:t>
+            </a:r>
+            <a:endParaRPr lang="ko-KR" altLang="en-US" dirty="0"/>
+          </a:p>
+        </p:txBody>
+      </p:sp>
+      <p:cxnSp>
+        <p:nvCxnSpPr>
+          <p:cNvPr id="19" name="직선 연결선 18">
+            <a:extLst>
+              <a:ext uri="{FF2B5EF4-FFF2-40B4-BE49-F238E27FC236}">
+                <a16:creationId xmlns:a16="http://schemas.microsoft.com/office/drawing/2014/main" id="{53D03D58-FB0B-4512-A50C-20CE63F9D97D}"/>
+              </a:ext>
+            </a:extLst>
+          </p:cNvPr>
+          <p:cNvCxnSpPr/>
+          <p:nvPr/>
+        </p:nvCxnSpPr>
+        <p:spPr>
+          <a:xfrm flipV="1">
+            <a:off x="915924" y="1168924"/>
+            <a:ext cx="10283120" cy="16333"/>
+          </a:xfrm>
+          <a:prstGeom prst="line">
+            <a:avLst/>
+          </a:prstGeom>
+        </p:spPr>
+        <p:style>
+          <a:lnRef idx="1">
+            <a:schemeClr val="accent1"/>
+          </a:lnRef>
+          <a:fillRef idx="0">
+            <a:schemeClr val="accent1"/>
+          </a:fillRef>
+          <a:effectRef idx="0">
+            <a:schemeClr val="accent1"/>
+          </a:effectRef>
+          <a:fontRef idx="minor">
+            <a:schemeClr val="tx1"/>
+          </a:fontRef>
+        </p:style>
+      </p:cxnSp>
+      <p:sp>
+        <p:nvSpPr>
+          <p:cNvPr id="24" name="직사각형 23">
+            <a:extLst>
+              <a:ext uri="{FF2B5EF4-FFF2-40B4-BE49-F238E27FC236}">
+                <a16:creationId xmlns:a16="http://schemas.microsoft.com/office/drawing/2014/main" id="{DAE9B5D3-3169-41B7-9D32-219AA0EB96D6}"/>
+              </a:ext>
+            </a:extLst>
+          </p:cNvPr>
+          <p:cNvSpPr/>
+          <p:nvPr/>
+        </p:nvSpPr>
+        <p:spPr>
+          <a:xfrm>
+            <a:off x="1065311" y="429944"/>
+            <a:ext cx="3393568" cy="380761"/>
+          </a:xfrm>
+          <a:prstGeom prst="rect">
+            <a:avLst/>
+          </a:prstGeom>
+          <a:noFill/>
+        </p:spPr>
+        <p:style>
+          <a:lnRef idx="2">
+            <a:schemeClr val="accent1">
+              <a:shade val="50000"/>
+            </a:schemeClr>
+          </a:lnRef>
+          <a:fillRef idx="1">
+            <a:schemeClr val="accent1"/>
+          </a:fillRef>
+          <a:effectRef idx="0">
+            <a:schemeClr val="accent1"/>
+          </a:effectRef>
+          <a:fontRef idx="minor">
+            <a:schemeClr val="lt1"/>
+          </a:fontRef>
+        </p:style>
+        <p:txBody>
+          <a:bodyPr rtlCol="0" anchor="ctr"/>
+          <a:lstStyle/>
+          <a:p>
+            <a:pPr algn="ctr"/>
+            <a:r>
+              <a:rPr lang="ko-KR" altLang="en-US" sz="1400" dirty="0" smtClean="0">
+                <a:solidFill>
+                  <a:schemeClr val="tx1"/>
+                </a:solidFill>
+              </a:rPr>
+              <a:t>이력 정보 관리시스템</a:t>
+            </a:r>
+            <a:endParaRPr lang="ko-KR" altLang="en-US" sz="1400" dirty="0">
+              <a:solidFill>
+                <a:schemeClr val="tx1"/>
+              </a:solidFill>
+            </a:endParaRPr>
+          </a:p>
+        </p:txBody>
+      </p:sp>
+      <p:sp>
+        <p:nvSpPr>
+          <p:cNvPr id="25" name="직사각형 24">
+            <a:extLst>
+              <a:ext uri="{FF2B5EF4-FFF2-40B4-BE49-F238E27FC236}">
+                <a16:creationId xmlns:a16="http://schemas.microsoft.com/office/drawing/2014/main" id="{DAE9B5D3-3169-41B7-9D32-219AA0EB96D6}"/>
+              </a:ext>
+            </a:extLst>
+          </p:cNvPr>
+          <p:cNvSpPr/>
+          <p:nvPr/>
+        </p:nvSpPr>
+        <p:spPr>
+          <a:xfrm>
+            <a:off x="9766169" y="473346"/>
+            <a:ext cx="1283618" cy="337359"/>
+          </a:xfrm>
+          <a:prstGeom prst="rect">
+            <a:avLst/>
+          </a:prstGeom>
+          <a:noFill/>
+        </p:spPr>
+        <p:style>
+          <a:lnRef idx="2">
+            <a:schemeClr val="accent1">
+              <a:shade val="50000"/>
+            </a:schemeClr>
+          </a:lnRef>
+          <a:fillRef idx="1">
+            <a:schemeClr val="accent1"/>
+          </a:fillRef>
+          <a:effectRef idx="0">
+            <a:schemeClr val="accent1"/>
+          </a:effectRef>
+          <a:fontRef idx="minor">
+            <a:schemeClr val="lt1"/>
+          </a:fontRef>
+        </p:style>
+        <p:txBody>
+          <a:bodyPr rtlCol="0" anchor="ctr"/>
+          <a:lstStyle/>
+          <a:p>
+            <a:pPr algn="ctr"/>
+            <a:r>
+              <a:rPr lang="ko-KR" altLang="en-US" sz="1400" dirty="0" smtClean="0">
+                <a:solidFill>
+                  <a:schemeClr val="tx1"/>
+                </a:solidFill>
+              </a:rPr>
+              <a:t>로그인</a:t>
+            </a:r>
+            <a:endParaRPr lang="ko-KR" altLang="en-US" sz="1400" dirty="0">
+              <a:solidFill>
+                <a:schemeClr val="tx1"/>
+              </a:solidFill>
+            </a:endParaRPr>
+          </a:p>
+        </p:txBody>
+      </p:sp>
+      <p:sp>
+        <p:nvSpPr>
+          <p:cNvPr id="27" name="직사각형 26">
+            <a:extLst>
+              <a:ext uri="{FF2B5EF4-FFF2-40B4-BE49-F238E27FC236}">
+                <a16:creationId xmlns:a16="http://schemas.microsoft.com/office/drawing/2014/main" id="{C9BB0AE7-C71E-4BBF-BD39-5B9DB8AFA432}"/>
+              </a:ext>
+            </a:extLst>
+          </p:cNvPr>
+          <p:cNvSpPr/>
+          <p:nvPr/>
+        </p:nvSpPr>
+        <p:spPr>
+          <a:xfrm>
+            <a:off x="4824387" y="2951806"/>
+            <a:ext cx="2164534" cy="366429"/>
+          </a:xfrm>
+          <a:prstGeom prst="rect">
+            <a:avLst/>
+          </a:prstGeom>
+          <a:noFill/>
+        </p:spPr>
+        <p:style>
+          <a:lnRef idx="2">
+            <a:schemeClr val="accent1">
+              <a:shade val="50000"/>
+            </a:schemeClr>
+          </a:lnRef>
+          <a:fillRef idx="1">
+            <a:schemeClr val="accent1"/>
+          </a:fillRef>
+          <a:effectRef idx="0">
+            <a:schemeClr val="accent1"/>
+          </a:effectRef>
+          <a:fontRef idx="minor">
+            <a:schemeClr val="lt1"/>
+          </a:fontRef>
+        </p:style>
+        <p:txBody>
+          <a:bodyPr rtlCol="0" anchor="ctr"/>
+          <a:lstStyle/>
+          <a:p>
+            <a:pPr algn="ctr"/>
+            <a:r>
+              <a:rPr lang="en-US" altLang="ko-KR" sz="1400" dirty="0" err="1" smtClean="0">
+                <a:solidFill>
+                  <a:schemeClr val="tx1"/>
+                </a:solidFill>
+              </a:rPr>
+              <a:t>pwd</a:t>
+            </a:r>
+            <a:endParaRPr lang="ko-KR" altLang="en-US" sz="1400" dirty="0">
+              <a:solidFill>
+                <a:schemeClr val="tx1"/>
+              </a:solidFill>
+            </a:endParaRPr>
+          </a:p>
+        </p:txBody>
+      </p:sp>
+      <p:sp>
+        <p:nvSpPr>
+          <p:cNvPr id="3" name="타원 2"/>
+          <p:cNvSpPr/>
+          <p:nvPr/>
+        </p:nvSpPr>
+        <p:spPr>
+          <a:xfrm>
+            <a:off x="4732256" y="3423674"/>
+            <a:ext cx="169682" cy="141402"/>
+          </a:xfrm>
+          <a:prstGeom prst="ellipse">
+            <a:avLst/>
+          </a:prstGeom>
+          <a:noFill/>
+        </p:spPr>
+        <p:style>
+          <a:lnRef idx="2">
+            <a:schemeClr val="accent1">
+              <a:shade val="50000"/>
+            </a:schemeClr>
+          </a:lnRef>
+          <a:fillRef idx="1">
+            <a:schemeClr val="accent1"/>
+          </a:fillRef>
+          <a:effectRef idx="0">
+            <a:schemeClr val="accent1"/>
+          </a:effectRef>
+          <a:fontRef idx="minor">
+            <a:schemeClr val="lt1"/>
+          </a:fontRef>
+        </p:style>
+        <p:txBody>
+          <a:bodyPr rtlCol="0" anchor="ctr"/>
+          <a:lstStyle/>
+          <a:p>
+            <a:pPr algn="ctr"/>
+            <a:endParaRPr lang="ko-KR" altLang="en-US"/>
+          </a:p>
+        </p:txBody>
+      </p:sp>
+      <p:sp>
+        <p:nvSpPr>
+          <p:cNvPr id="28" name="TextBox 27">
+            <a:extLst>
+              <a:ext uri="{FF2B5EF4-FFF2-40B4-BE49-F238E27FC236}">
+                <a16:creationId xmlns:a16="http://schemas.microsoft.com/office/drawing/2014/main" id="{F3186B47-60D1-415E-A6C4-3594A260EFC2}"/>
+              </a:ext>
+            </a:extLst>
+          </p:cNvPr>
+          <p:cNvSpPr txBox="1"/>
+          <p:nvPr/>
+        </p:nvSpPr>
+        <p:spPr>
+          <a:xfrm>
+            <a:off x="4901938" y="3340755"/>
+            <a:ext cx="1073839" cy="369332"/>
+          </a:xfrm>
+          <a:prstGeom prst="rect">
+            <a:avLst/>
+          </a:prstGeom>
+          <a:noFill/>
+        </p:spPr>
+        <p:txBody>
+          <a:bodyPr wrap="square" rtlCol="0">
+            <a:spAutoFit/>
+          </a:bodyPr>
+          <a:lstStyle/>
+          <a:p>
+            <a:r>
+              <a:rPr lang="ko-KR" altLang="en-US" smtClean="0"/>
+              <a:t>사용자</a:t>
+            </a:r>
+            <a:endParaRPr lang="ko-KR" altLang="en-US" dirty="0"/>
+          </a:p>
+        </p:txBody>
+      </p:sp>
+      <p:sp>
+        <p:nvSpPr>
+          <p:cNvPr id="29" name="타원 28"/>
+          <p:cNvSpPr/>
+          <p:nvPr/>
+        </p:nvSpPr>
+        <p:spPr>
+          <a:xfrm>
+            <a:off x="5958258" y="3422184"/>
+            <a:ext cx="169682" cy="141402"/>
+          </a:xfrm>
+          <a:prstGeom prst="ellipse">
+            <a:avLst/>
+          </a:prstGeom>
+          <a:noFill/>
+        </p:spPr>
+        <p:style>
+          <a:lnRef idx="2">
+            <a:schemeClr val="accent1">
+              <a:shade val="50000"/>
+            </a:schemeClr>
+          </a:lnRef>
+          <a:fillRef idx="1">
+            <a:schemeClr val="accent1"/>
+          </a:fillRef>
+          <a:effectRef idx="0">
+            <a:schemeClr val="accent1"/>
+          </a:effectRef>
+          <a:fontRef idx="minor">
+            <a:schemeClr val="lt1"/>
+          </a:fontRef>
+        </p:style>
+        <p:txBody>
+          <a:bodyPr rtlCol="0" anchor="ctr"/>
+          <a:lstStyle/>
+          <a:p>
+            <a:pPr algn="ctr"/>
+            <a:endParaRPr lang="ko-KR" altLang="en-US"/>
+          </a:p>
+        </p:txBody>
+      </p:sp>
+      <p:sp>
+        <p:nvSpPr>
+          <p:cNvPr id="30" name="TextBox 29">
+            <a:extLst>
+              <a:ext uri="{FF2B5EF4-FFF2-40B4-BE49-F238E27FC236}">
+                <a16:creationId xmlns:a16="http://schemas.microsoft.com/office/drawing/2014/main" id="{F3186B47-60D1-415E-A6C4-3594A260EFC2}"/>
+              </a:ext>
+            </a:extLst>
+          </p:cNvPr>
+          <p:cNvSpPr txBox="1"/>
+          <p:nvPr/>
+        </p:nvSpPr>
+        <p:spPr>
+          <a:xfrm>
+            <a:off x="6127940" y="3339265"/>
+            <a:ext cx="1073839" cy="369332"/>
+          </a:xfrm>
+          <a:prstGeom prst="rect">
+            <a:avLst/>
+          </a:prstGeom>
+          <a:noFill/>
+        </p:spPr>
+        <p:txBody>
+          <a:bodyPr wrap="square" rtlCol="0">
+            <a:spAutoFit/>
+          </a:bodyPr>
+          <a:lstStyle/>
+          <a:p>
+            <a:r>
+              <a:rPr lang="ko-KR" altLang="en-US" dirty="0" smtClean="0"/>
+              <a:t>관리</a:t>
+            </a:r>
+            <a:r>
+              <a:rPr lang="ko-KR" altLang="en-US" dirty="0" smtClean="0"/>
+              <a:t>자</a:t>
+            </a:r>
+            <a:endParaRPr lang="ko-KR" altLang="en-US" dirty="0"/>
+          </a:p>
+        </p:txBody>
+      </p:sp>
+      <p:sp>
+        <p:nvSpPr>
+          <p:cNvPr id="31" name="TextBox 30">
+            <a:extLst>
+              <a:ext uri="{FF2B5EF4-FFF2-40B4-BE49-F238E27FC236}">
+                <a16:creationId xmlns:a16="http://schemas.microsoft.com/office/drawing/2014/main" id="{F3186B47-60D1-415E-A6C4-3594A260EFC2}"/>
+              </a:ext>
+            </a:extLst>
+          </p:cNvPr>
+          <p:cNvSpPr txBox="1"/>
+          <p:nvPr/>
+        </p:nvSpPr>
+        <p:spPr>
+          <a:xfrm>
+            <a:off x="5475191" y="1904156"/>
+            <a:ext cx="1189668" cy="369332"/>
+          </a:xfrm>
+          <a:prstGeom prst="rect">
+            <a:avLst/>
+          </a:prstGeom>
+          <a:noFill/>
+        </p:spPr>
+        <p:txBody>
+          <a:bodyPr wrap="square" rtlCol="0">
+            <a:spAutoFit/>
+          </a:bodyPr>
+          <a:lstStyle/>
+          <a:p>
+            <a:r>
+              <a:rPr lang="ko-KR" altLang="en-US" smtClean="0"/>
+              <a:t>로그인</a:t>
+            </a:r>
+            <a:endParaRPr lang="ko-KR" altLang="en-US" dirty="0"/>
+          </a:p>
+        </p:txBody>
+      </p:sp>
+    </p:spTree>
+    <p:extLst>
+      <p:ext uri="{BB962C8B-B14F-4D97-AF65-F5344CB8AC3E}">
+        <p14:creationId xmlns:p14="http://schemas.microsoft.com/office/powerpoint/2010/main" val="2395657709"/>
+      </p:ext>
+    </p:extLst>
+  </p:cSld>
+  <p:clrMapOvr>
+    <a:masterClrMapping/>
+  </p:clrMapOvr>
+</p:sld>
+</file>
+
+<file path=ppt/slides/slide3.xml><?xml version="1.0" encoding="utf-8"?>
+<p:sld xmlns:a="http://schemas.openxmlformats.org/drawingml/2006/main" xmlns:r="http://schemas.openxmlformats.org/officeDocument/2006/relationships" xmlns:p="http://schemas.openxmlformats.org/presentationml/2006/main">
+  <p:cSld>
+    <p:spTree>
+      <p:nvGrpSpPr>
+        <p:cNvPr id="1" name=""/>
+        <p:cNvGrpSpPr/>
+        <p:nvPr/>
+      </p:nvGrpSpPr>
+      <p:grpSpPr>
+        <a:xfrm>
+          <a:off x="0" y="0"/>
+          <a:ext cx="0" cy="0"/>
+          <a:chOff x="0" y="0"/>
+          <a:chExt cx="0" cy="0"/>
+        </a:xfrm>
+      </p:grpSpPr>
+      <p:sp>
+        <p:nvSpPr>
+          <p:cNvPr id="4" name="직사각형 3">
+            <a:extLst>
+              <a:ext uri="{FF2B5EF4-FFF2-40B4-BE49-F238E27FC236}">
+                <a16:creationId xmlns:a16="http://schemas.microsoft.com/office/drawing/2014/main" id="{79CE9E51-2A28-4479-95B6-D01D5BE41644}"/>
+              </a:ext>
+            </a:extLst>
+          </p:cNvPr>
+          <p:cNvSpPr/>
+          <p:nvPr/>
+        </p:nvSpPr>
+        <p:spPr>
+          <a:xfrm>
+            <a:off x="915924" y="356788"/>
+            <a:ext cx="10283120" cy="4647501"/>
+          </a:xfrm>
+          <a:prstGeom prst="rect">
+            <a:avLst/>
+          </a:prstGeom>
+          <a:noFill/>
+        </p:spPr>
+        <p:style>
+          <a:lnRef idx="2">
+            <a:schemeClr val="accent1">
+              <a:shade val="50000"/>
+            </a:schemeClr>
+          </a:lnRef>
+          <a:fillRef idx="1">
+            <a:schemeClr val="accent1"/>
+          </a:fillRef>
+          <a:effectRef idx="0">
+            <a:schemeClr val="accent1"/>
+          </a:effectRef>
+          <a:fontRef idx="minor">
+            <a:schemeClr val="lt1"/>
+          </a:fontRef>
+        </p:style>
+        <p:txBody>
+          <a:bodyPr rtlCol="0" anchor="ctr"/>
+          <a:lstStyle/>
+          <a:p>
+            <a:pPr algn="ctr"/>
+            <a:endParaRPr lang="ko-KR" altLang="en-US" dirty="0"/>
+          </a:p>
+        </p:txBody>
+      </p:sp>
+      <p:sp>
+        <p:nvSpPr>
+          <p:cNvPr id="13" name="직사각형 12">
+            <a:extLst>
+              <a:ext uri="{FF2B5EF4-FFF2-40B4-BE49-F238E27FC236}">
+                <a16:creationId xmlns:a16="http://schemas.microsoft.com/office/drawing/2014/main" id="{DAE9B5D3-3169-41B7-9D32-219AA0EB96D6}"/>
+              </a:ext>
+            </a:extLst>
+          </p:cNvPr>
+          <p:cNvSpPr/>
+          <p:nvPr/>
+        </p:nvSpPr>
+        <p:spPr>
+          <a:xfrm>
+            <a:off x="1065311" y="1732185"/>
+            <a:ext cx="1180194" cy="330565"/>
+          </a:xfrm>
+          <a:prstGeom prst="rect">
+            <a:avLst/>
+          </a:prstGeom>
+          <a:noFill/>
+        </p:spPr>
+        <p:style>
+          <a:lnRef idx="2">
+            <a:schemeClr val="accent1">
+              <a:shade val="50000"/>
+            </a:schemeClr>
+          </a:lnRef>
+          <a:fillRef idx="1">
+            <a:schemeClr val="accent1"/>
+          </a:fillRef>
+          <a:effectRef idx="0">
+            <a:schemeClr val="accent1"/>
+          </a:effectRef>
+          <a:fontRef idx="minor">
+            <a:schemeClr val="lt1"/>
+          </a:fontRef>
+        </p:style>
+        <p:txBody>
+          <a:bodyPr rtlCol="0" anchor="ctr"/>
+          <a:lstStyle/>
+          <a:p>
+            <a:pPr algn="ctr"/>
+            <a:r>
+              <a:rPr lang="ko-KR" altLang="en-US" sz="1400" dirty="0">
+                <a:solidFill>
+                  <a:schemeClr val="tx1"/>
+                </a:solidFill>
+              </a:rPr>
+              <a:t>데이터 보기</a:t>
+            </a:r>
+          </a:p>
+        </p:txBody>
+      </p:sp>
+      <p:sp>
+        <p:nvSpPr>
+          <p:cNvPr id="14" name="직사각형 13">
+            <a:extLst>
+              <a:ext uri="{FF2B5EF4-FFF2-40B4-BE49-F238E27FC236}">
+                <a16:creationId xmlns:a16="http://schemas.microsoft.com/office/drawing/2014/main" id="{E1E69C98-EF4F-48E9-8AF6-A151C3DFE1CA}"/>
+              </a:ext>
+            </a:extLst>
+          </p:cNvPr>
+          <p:cNvSpPr/>
+          <p:nvPr/>
+        </p:nvSpPr>
+        <p:spPr>
+          <a:xfrm>
+            <a:off x="5238787" y="1732185"/>
+            <a:ext cx="1180194" cy="330565"/>
+          </a:xfrm>
+          <a:prstGeom prst="rect">
+            <a:avLst/>
+          </a:prstGeom>
+          <a:noFill/>
+        </p:spPr>
+        <p:style>
+          <a:lnRef idx="2">
+            <a:schemeClr val="accent1">
+              <a:shade val="50000"/>
+            </a:schemeClr>
+          </a:lnRef>
+          <a:fillRef idx="1">
+            <a:schemeClr val="accent1"/>
+          </a:fillRef>
+          <a:effectRef idx="0">
+            <a:schemeClr val="accent1"/>
+          </a:effectRef>
+          <a:fontRef idx="minor">
+            <a:schemeClr val="lt1"/>
+          </a:fontRef>
+        </p:style>
+        <p:txBody>
+          <a:bodyPr rtlCol="0" anchor="ctr"/>
+          <a:lstStyle/>
+          <a:p>
+            <a:pPr algn="ctr"/>
+            <a:r>
+              <a:rPr lang="ko-KR" altLang="en-US" sz="1400">
+                <a:solidFill>
+                  <a:schemeClr val="tx1"/>
+                </a:solidFill>
+              </a:rPr>
+              <a:t>데이터 추가</a:t>
+            </a:r>
+            <a:endParaRPr lang="ko-KR" altLang="en-US" sz="1400" dirty="0">
+              <a:solidFill>
+                <a:schemeClr val="tx1"/>
+              </a:solidFill>
+            </a:endParaRPr>
+          </a:p>
+        </p:txBody>
+      </p:sp>
+      <p:sp>
+        <p:nvSpPr>
+          <p:cNvPr id="15" name="직사각형 14">
+            <a:extLst>
+              <a:ext uri="{FF2B5EF4-FFF2-40B4-BE49-F238E27FC236}">
+                <a16:creationId xmlns:a16="http://schemas.microsoft.com/office/drawing/2014/main" id="{C9BB0AE7-C71E-4BBF-BD39-5B9DB8AFA432}"/>
+              </a:ext>
+            </a:extLst>
+          </p:cNvPr>
+          <p:cNvSpPr/>
+          <p:nvPr/>
+        </p:nvSpPr>
+        <p:spPr>
+          <a:xfrm>
+            <a:off x="9574682" y="1732186"/>
+            <a:ext cx="1180194" cy="330565"/>
+          </a:xfrm>
+          <a:prstGeom prst="rect">
+            <a:avLst/>
+          </a:prstGeom>
+          <a:noFill/>
+        </p:spPr>
+        <p:style>
+          <a:lnRef idx="2">
+            <a:schemeClr val="accent1">
+              <a:shade val="50000"/>
+            </a:schemeClr>
+          </a:lnRef>
+          <a:fillRef idx="1">
+            <a:schemeClr val="accent1"/>
+          </a:fillRef>
+          <a:effectRef idx="0">
+            <a:schemeClr val="accent1"/>
+          </a:effectRef>
+          <a:fontRef idx="minor">
+            <a:schemeClr val="lt1"/>
+          </a:fontRef>
+        </p:style>
+        <p:txBody>
+          <a:bodyPr rtlCol="0" anchor="ctr"/>
+          <a:lstStyle/>
+          <a:p>
+            <a:pPr algn="ctr"/>
+            <a:r>
+              <a:rPr lang="ko-KR" altLang="en-US" sz="1400" dirty="0">
+                <a:solidFill>
+                  <a:schemeClr val="tx1"/>
+                </a:solidFill>
+              </a:rPr>
+              <a:t>데이터 검색</a:t>
+            </a:r>
+          </a:p>
+        </p:txBody>
+      </p:sp>
+      <p:sp>
+        <p:nvSpPr>
+          <p:cNvPr id="16" name="TextBox 15">
+            <a:extLst>
+              <a:ext uri="{FF2B5EF4-FFF2-40B4-BE49-F238E27FC236}">
+                <a16:creationId xmlns:a16="http://schemas.microsoft.com/office/drawing/2014/main" id="{F3186B47-60D1-415E-A6C4-3594A260EFC2}"/>
+              </a:ext>
+            </a:extLst>
+          </p:cNvPr>
+          <p:cNvSpPr txBox="1"/>
+          <p:nvPr/>
+        </p:nvSpPr>
+        <p:spPr>
+          <a:xfrm>
+            <a:off x="4084982" y="5241678"/>
+            <a:ext cx="4780721" cy="369332"/>
+          </a:xfrm>
+          <a:prstGeom prst="rect">
+            <a:avLst/>
+          </a:prstGeom>
+          <a:noFill/>
+        </p:spPr>
+        <p:txBody>
+          <a:bodyPr wrap="square" rtlCol="0">
+            <a:spAutoFit/>
+          </a:bodyPr>
+          <a:lstStyle/>
+          <a:p>
+            <a:r>
+              <a:rPr lang="ko-KR" altLang="en-US" smtClean="0"/>
+              <a:t>사용자 라디오 버튼 누른 후 로그인 화면</a:t>
+            </a:r>
+            <a:endParaRPr lang="ko-KR" altLang="en-US" dirty="0"/>
+          </a:p>
+        </p:txBody>
+      </p:sp>
+      <p:cxnSp>
+        <p:nvCxnSpPr>
+          <p:cNvPr id="19" name="직선 연결선 18">
+            <a:extLst>
+              <a:ext uri="{FF2B5EF4-FFF2-40B4-BE49-F238E27FC236}">
+                <a16:creationId xmlns:a16="http://schemas.microsoft.com/office/drawing/2014/main" id="{53D03D58-FB0B-4512-A50C-20CE63F9D97D}"/>
+              </a:ext>
+            </a:extLst>
+          </p:cNvPr>
+          <p:cNvCxnSpPr/>
+          <p:nvPr/>
+        </p:nvCxnSpPr>
+        <p:spPr>
+          <a:xfrm flipV="1">
+            <a:off x="915924" y="2300140"/>
+            <a:ext cx="10283120" cy="16333"/>
+          </a:xfrm>
+          <a:prstGeom prst="line">
+            <a:avLst/>
+          </a:prstGeom>
+        </p:spPr>
+        <p:style>
+          <a:lnRef idx="1">
+            <a:schemeClr val="accent1"/>
+          </a:lnRef>
+          <a:fillRef idx="0">
+            <a:schemeClr val="accent1"/>
+          </a:fillRef>
+          <a:effectRef idx="0">
+            <a:schemeClr val="accent1"/>
+          </a:effectRef>
+          <a:fontRef idx="minor">
+            <a:schemeClr val="tx1"/>
+          </a:fontRef>
+        </p:style>
+      </p:cxnSp>
+      <p:sp>
+        <p:nvSpPr>
+          <p:cNvPr id="24" name="직사각형 23">
+            <a:extLst>
+              <a:ext uri="{FF2B5EF4-FFF2-40B4-BE49-F238E27FC236}">
+                <a16:creationId xmlns:a16="http://schemas.microsoft.com/office/drawing/2014/main" id="{DAE9B5D3-3169-41B7-9D32-219AA0EB96D6}"/>
+              </a:ext>
+            </a:extLst>
+          </p:cNvPr>
+          <p:cNvSpPr/>
+          <p:nvPr/>
+        </p:nvSpPr>
+        <p:spPr>
+          <a:xfrm>
+            <a:off x="1065311" y="429944"/>
+            <a:ext cx="3393568" cy="380761"/>
+          </a:xfrm>
+          <a:prstGeom prst="rect">
+            <a:avLst/>
+          </a:prstGeom>
+          <a:noFill/>
+        </p:spPr>
+        <p:style>
+          <a:lnRef idx="2">
+            <a:schemeClr val="accent1">
+              <a:shade val="50000"/>
+            </a:schemeClr>
+          </a:lnRef>
+          <a:fillRef idx="1">
+            <a:schemeClr val="accent1"/>
+          </a:fillRef>
+          <a:effectRef idx="0">
+            <a:schemeClr val="accent1"/>
+          </a:effectRef>
+          <a:fontRef idx="minor">
+            <a:schemeClr val="lt1"/>
+          </a:fontRef>
+        </p:style>
+        <p:txBody>
+          <a:bodyPr rtlCol="0" anchor="ctr"/>
+          <a:lstStyle/>
+          <a:p>
+            <a:pPr algn="ctr"/>
+            <a:r>
+              <a:rPr lang="ko-KR" altLang="en-US" sz="1400" dirty="0" smtClean="0">
+                <a:solidFill>
+                  <a:schemeClr val="tx1"/>
+                </a:solidFill>
+              </a:rPr>
+              <a:t>이력 정보 관리시스템</a:t>
+            </a:r>
+            <a:endParaRPr lang="ko-KR" altLang="en-US" sz="1400" dirty="0">
+              <a:solidFill>
+                <a:schemeClr val="tx1"/>
+              </a:solidFill>
+            </a:endParaRPr>
+          </a:p>
+        </p:txBody>
+      </p:sp>
+      <p:sp>
+        <p:nvSpPr>
+          <p:cNvPr id="25" name="직사각형 24">
+            <a:extLst>
+              <a:ext uri="{FF2B5EF4-FFF2-40B4-BE49-F238E27FC236}">
+                <a16:creationId xmlns:a16="http://schemas.microsoft.com/office/drawing/2014/main" id="{DAE9B5D3-3169-41B7-9D32-219AA0EB96D6}"/>
+              </a:ext>
+            </a:extLst>
+          </p:cNvPr>
+          <p:cNvSpPr/>
+          <p:nvPr/>
+        </p:nvSpPr>
+        <p:spPr>
+          <a:xfrm>
+            <a:off x="7822096" y="473346"/>
+            <a:ext cx="3227691" cy="337359"/>
+          </a:xfrm>
+          <a:prstGeom prst="rect">
+            <a:avLst/>
+          </a:prstGeom>
+          <a:noFill/>
+        </p:spPr>
+        <p:style>
+          <a:lnRef idx="2">
+            <a:schemeClr val="accent1">
+              <a:shade val="50000"/>
+            </a:schemeClr>
+          </a:lnRef>
+          <a:fillRef idx="1">
+            <a:schemeClr val="accent1"/>
+          </a:fillRef>
+          <a:effectRef idx="0">
+            <a:schemeClr val="accent1"/>
+          </a:effectRef>
+          <a:fontRef idx="minor">
+            <a:schemeClr val="lt1"/>
+          </a:fontRef>
+        </p:style>
+        <p:txBody>
+          <a:bodyPr rtlCol="0" anchor="ctr"/>
+          <a:lstStyle/>
+          <a:p>
+            <a:pPr algn="ctr"/>
+            <a:r>
+              <a:rPr lang="en-US" altLang="ko-KR" sz="1400" u="sng" dirty="0" smtClean="0">
+                <a:solidFill>
+                  <a:schemeClr val="tx1"/>
+                </a:solidFill>
+              </a:rPr>
+              <a:t>AAA</a:t>
+            </a:r>
+            <a:r>
+              <a:rPr lang="en-US" altLang="ko-KR" sz="1400" dirty="0" smtClean="0">
+                <a:solidFill>
+                  <a:schemeClr val="tx1"/>
+                </a:solidFill>
+              </a:rPr>
+              <a:t> </a:t>
+            </a:r>
+            <a:r>
+              <a:rPr lang="ko-KR" altLang="en-US" sz="1400" dirty="0" smtClean="0">
+                <a:solidFill>
+                  <a:schemeClr val="tx1"/>
+                </a:solidFill>
+              </a:rPr>
+              <a:t>님 접속을 환영합니다</a:t>
+            </a:r>
+            <a:r>
+              <a:rPr lang="en-US" altLang="ko-KR" sz="1400" dirty="0" smtClean="0">
+                <a:solidFill>
+                  <a:schemeClr val="tx1"/>
+                </a:solidFill>
+              </a:rPr>
+              <a:t>.</a:t>
+            </a:r>
+            <a:endParaRPr lang="ko-KR" altLang="en-US" sz="1400" dirty="0">
+              <a:solidFill>
+                <a:schemeClr val="tx1"/>
+              </a:solidFill>
+            </a:endParaRPr>
+          </a:p>
+        </p:txBody>
+      </p:sp>
+    </p:spTree>
+    <p:extLst>
+      <p:ext uri="{BB962C8B-B14F-4D97-AF65-F5344CB8AC3E}">
+        <p14:creationId xmlns:p14="http://schemas.microsoft.com/office/powerpoint/2010/main" val="1229044985"/>
+      </p:ext>
+    </p:extLst>
+  </p:cSld>
+  <p:clrMapOvr>
+    <a:masterClrMapping/>
+  </p:clrMapOvr>
+</p:sld>
+</file>
+
+<file path=ppt/slides/slide4.xml><?xml version="1.0" encoding="utf-8"?>
+<p:sld xmlns:a="http://schemas.openxmlformats.org/drawingml/2006/main" xmlns:r="http://schemas.openxmlformats.org/officeDocument/2006/relationships" xmlns:p="http://schemas.openxmlformats.org/presentationml/2006/main">
+  <p:cSld>
+    <p:spTree>
+      <p:nvGrpSpPr>
+        <p:cNvPr id="1" name=""/>
+        <p:cNvGrpSpPr/>
+        <p:nvPr/>
+      </p:nvGrpSpPr>
+      <p:grpSpPr>
+        <a:xfrm>
+          <a:off x="0" y="0"/>
+          <a:ext cx="0" cy="0"/>
+          <a:chOff x="0" y="0"/>
+          <a:chExt cx="0" cy="0"/>
+        </a:xfrm>
+      </p:grpSpPr>
+      <p:sp>
+        <p:nvSpPr>
+          <p:cNvPr id="4" name="직사각형 3">
+            <a:extLst>
+              <a:ext uri="{FF2B5EF4-FFF2-40B4-BE49-F238E27FC236}">
+                <a16:creationId xmlns:a16="http://schemas.microsoft.com/office/drawing/2014/main" id="{79CE9E51-2A28-4479-95B6-D01D5BE41644}"/>
+              </a:ext>
+            </a:extLst>
+          </p:cNvPr>
+          <p:cNvSpPr/>
+          <p:nvPr/>
+        </p:nvSpPr>
+        <p:spPr>
+          <a:xfrm>
+            <a:off x="915924" y="356788"/>
+            <a:ext cx="10283120" cy="4647501"/>
+          </a:xfrm>
+          <a:prstGeom prst="rect">
+            <a:avLst/>
+          </a:prstGeom>
+          <a:noFill/>
+        </p:spPr>
+        <p:style>
+          <a:lnRef idx="2">
+            <a:schemeClr val="accent1">
+              <a:shade val="50000"/>
+            </a:schemeClr>
+          </a:lnRef>
+          <a:fillRef idx="1">
+            <a:schemeClr val="accent1"/>
+          </a:fillRef>
+          <a:effectRef idx="0">
+            <a:schemeClr val="accent1"/>
+          </a:effectRef>
+          <a:fontRef idx="minor">
+            <a:schemeClr val="lt1"/>
+          </a:fontRef>
+        </p:style>
+        <p:txBody>
+          <a:bodyPr rtlCol="0" anchor="ctr"/>
+          <a:lstStyle/>
+          <a:p>
+            <a:pPr algn="ctr"/>
+            <a:endParaRPr lang="ko-KR" altLang="en-US" dirty="0"/>
+          </a:p>
+        </p:txBody>
+      </p:sp>
+      <p:sp>
+        <p:nvSpPr>
+          <p:cNvPr id="13" name="직사각형 12">
+            <a:extLst>
+              <a:ext uri="{FF2B5EF4-FFF2-40B4-BE49-F238E27FC236}">
+                <a16:creationId xmlns:a16="http://schemas.microsoft.com/office/drawing/2014/main" id="{DAE9B5D3-3169-41B7-9D32-219AA0EB96D6}"/>
+              </a:ext>
+            </a:extLst>
+          </p:cNvPr>
+          <p:cNvSpPr/>
+          <p:nvPr/>
+        </p:nvSpPr>
+        <p:spPr>
+          <a:xfrm>
+            <a:off x="1065311" y="1732185"/>
+            <a:ext cx="1180194" cy="330565"/>
+          </a:xfrm>
+          <a:prstGeom prst="rect">
+            <a:avLst/>
+          </a:prstGeom>
+          <a:noFill/>
+        </p:spPr>
+        <p:style>
+          <a:lnRef idx="2">
+            <a:schemeClr val="accent1">
+              <a:shade val="50000"/>
+            </a:schemeClr>
+          </a:lnRef>
+          <a:fillRef idx="1">
+            <a:schemeClr val="accent1"/>
+          </a:fillRef>
+          <a:effectRef idx="0">
+            <a:schemeClr val="accent1"/>
+          </a:effectRef>
+          <a:fontRef idx="minor">
+            <a:schemeClr val="lt1"/>
+          </a:fontRef>
+        </p:style>
+        <p:txBody>
+          <a:bodyPr rtlCol="0" anchor="ctr"/>
+          <a:lstStyle/>
+          <a:p>
+            <a:pPr algn="ctr"/>
+            <a:r>
+              <a:rPr lang="ko-KR" altLang="en-US" sz="1400" dirty="0">
+                <a:solidFill>
+                  <a:schemeClr val="tx1"/>
+                </a:solidFill>
+              </a:rPr>
+              <a:t>데이터 보기</a:t>
+            </a:r>
+          </a:p>
+        </p:txBody>
+      </p:sp>
+      <p:sp>
+        <p:nvSpPr>
+          <p:cNvPr id="14" name="직사각형 13">
+            <a:extLst>
+              <a:ext uri="{FF2B5EF4-FFF2-40B4-BE49-F238E27FC236}">
+                <a16:creationId xmlns:a16="http://schemas.microsoft.com/office/drawing/2014/main" id="{E1E69C98-EF4F-48E9-8AF6-A151C3DFE1CA}"/>
+              </a:ext>
+            </a:extLst>
+          </p:cNvPr>
+          <p:cNvSpPr/>
+          <p:nvPr/>
+        </p:nvSpPr>
+        <p:spPr>
+          <a:xfrm>
+            <a:off x="5238787" y="1732185"/>
+            <a:ext cx="1180194" cy="330565"/>
+          </a:xfrm>
+          <a:prstGeom prst="rect">
+            <a:avLst/>
+          </a:prstGeom>
+          <a:noFill/>
+        </p:spPr>
+        <p:style>
+          <a:lnRef idx="2">
+            <a:schemeClr val="accent1">
+              <a:shade val="50000"/>
+            </a:schemeClr>
+          </a:lnRef>
+          <a:fillRef idx="1">
+            <a:schemeClr val="accent1"/>
+          </a:fillRef>
+          <a:effectRef idx="0">
+            <a:schemeClr val="accent1"/>
+          </a:effectRef>
+          <a:fontRef idx="minor">
+            <a:schemeClr val="lt1"/>
+          </a:fontRef>
+        </p:style>
+        <p:txBody>
+          <a:bodyPr rtlCol="0" anchor="ctr"/>
+          <a:lstStyle/>
+          <a:p>
+            <a:pPr algn="ctr"/>
+            <a:r>
+              <a:rPr lang="ko-KR" altLang="en-US" sz="1400">
+                <a:solidFill>
+                  <a:schemeClr val="tx1"/>
+                </a:solidFill>
+              </a:rPr>
+              <a:t>데이터 추가</a:t>
+            </a:r>
+            <a:endParaRPr lang="ko-KR" altLang="en-US" sz="1400" dirty="0">
+              <a:solidFill>
+                <a:schemeClr val="tx1"/>
+              </a:solidFill>
+            </a:endParaRPr>
+          </a:p>
+        </p:txBody>
+      </p:sp>
+      <p:sp>
+        <p:nvSpPr>
+          <p:cNvPr id="15" name="직사각형 14">
+            <a:extLst>
+              <a:ext uri="{FF2B5EF4-FFF2-40B4-BE49-F238E27FC236}">
+                <a16:creationId xmlns:a16="http://schemas.microsoft.com/office/drawing/2014/main" id="{C9BB0AE7-C71E-4BBF-BD39-5B9DB8AFA432}"/>
+              </a:ext>
+            </a:extLst>
+          </p:cNvPr>
+          <p:cNvSpPr/>
+          <p:nvPr/>
+        </p:nvSpPr>
+        <p:spPr>
+          <a:xfrm>
+            <a:off x="9574682" y="1732186"/>
+            <a:ext cx="1180194" cy="330565"/>
+          </a:xfrm>
+          <a:prstGeom prst="rect">
+            <a:avLst/>
+          </a:prstGeom>
+          <a:noFill/>
+        </p:spPr>
+        <p:style>
+          <a:lnRef idx="2">
+            <a:schemeClr val="accent1">
+              <a:shade val="50000"/>
+            </a:schemeClr>
+          </a:lnRef>
+          <a:fillRef idx="1">
+            <a:schemeClr val="accent1"/>
+          </a:fillRef>
+          <a:effectRef idx="0">
+            <a:schemeClr val="accent1"/>
+          </a:effectRef>
+          <a:fontRef idx="minor">
+            <a:schemeClr val="lt1"/>
+          </a:fontRef>
+        </p:style>
+        <p:txBody>
+          <a:bodyPr rtlCol="0" anchor="ctr"/>
+          <a:lstStyle/>
+          <a:p>
+            <a:pPr algn="ctr"/>
+            <a:r>
+              <a:rPr lang="ko-KR" altLang="en-US" sz="1400" dirty="0">
+                <a:solidFill>
+                  <a:schemeClr val="tx1"/>
+                </a:solidFill>
+              </a:rPr>
+              <a:t>데이터 검색</a:t>
+            </a:r>
+          </a:p>
+        </p:txBody>
+      </p:sp>
+      <p:sp>
+        <p:nvSpPr>
+          <p:cNvPr id="16" name="TextBox 15">
+            <a:extLst>
+              <a:ext uri="{FF2B5EF4-FFF2-40B4-BE49-F238E27FC236}">
+                <a16:creationId xmlns:a16="http://schemas.microsoft.com/office/drawing/2014/main" id="{F3186B47-60D1-415E-A6C4-3594A260EFC2}"/>
+              </a:ext>
+            </a:extLst>
+          </p:cNvPr>
+          <p:cNvSpPr txBox="1"/>
+          <p:nvPr/>
+        </p:nvSpPr>
+        <p:spPr>
+          <a:xfrm>
+            <a:off x="4084982" y="5241678"/>
+            <a:ext cx="4780721" cy="369332"/>
+          </a:xfrm>
+          <a:prstGeom prst="rect">
+            <a:avLst/>
+          </a:prstGeom>
+          <a:noFill/>
+        </p:spPr>
+        <p:txBody>
+          <a:bodyPr wrap="square" rtlCol="0">
+            <a:spAutoFit/>
+          </a:bodyPr>
+          <a:lstStyle/>
+          <a:p>
+            <a:r>
+              <a:rPr lang="ko-KR" altLang="en-US" smtClean="0"/>
+              <a:t>사용자 라디오 버튼 누른 후 로그인 화면</a:t>
+            </a:r>
+            <a:endParaRPr lang="ko-KR" altLang="en-US" dirty="0"/>
+          </a:p>
+        </p:txBody>
+      </p:sp>
+      <p:cxnSp>
+        <p:nvCxnSpPr>
+          <p:cNvPr id="19" name="직선 연결선 18">
+            <a:extLst>
+              <a:ext uri="{FF2B5EF4-FFF2-40B4-BE49-F238E27FC236}">
+                <a16:creationId xmlns:a16="http://schemas.microsoft.com/office/drawing/2014/main" id="{53D03D58-FB0B-4512-A50C-20CE63F9D97D}"/>
+              </a:ext>
+            </a:extLst>
+          </p:cNvPr>
+          <p:cNvCxnSpPr/>
+          <p:nvPr/>
+        </p:nvCxnSpPr>
+        <p:spPr>
+          <a:xfrm flipV="1">
+            <a:off x="915924" y="2300140"/>
+            <a:ext cx="10283120" cy="16333"/>
+          </a:xfrm>
+          <a:prstGeom prst="line">
+            <a:avLst/>
+          </a:prstGeom>
+        </p:spPr>
+        <p:style>
+          <a:lnRef idx="1">
+            <a:schemeClr val="accent1"/>
+          </a:lnRef>
+          <a:fillRef idx="0">
+            <a:schemeClr val="accent1"/>
+          </a:fillRef>
+          <a:effectRef idx="0">
+            <a:schemeClr val="accent1"/>
+          </a:effectRef>
+          <a:fontRef idx="minor">
+            <a:schemeClr val="tx1"/>
+          </a:fontRef>
+        </p:style>
+      </p:cxnSp>
+      <p:sp>
+        <p:nvSpPr>
+          <p:cNvPr id="24" name="직사각형 23">
+            <a:extLst>
+              <a:ext uri="{FF2B5EF4-FFF2-40B4-BE49-F238E27FC236}">
+                <a16:creationId xmlns:a16="http://schemas.microsoft.com/office/drawing/2014/main" id="{DAE9B5D3-3169-41B7-9D32-219AA0EB96D6}"/>
+              </a:ext>
+            </a:extLst>
+          </p:cNvPr>
+          <p:cNvSpPr/>
+          <p:nvPr/>
+        </p:nvSpPr>
+        <p:spPr>
+          <a:xfrm>
+            <a:off x="1065311" y="429944"/>
+            <a:ext cx="3393568" cy="380761"/>
+          </a:xfrm>
+          <a:prstGeom prst="rect">
+            <a:avLst/>
+          </a:prstGeom>
+          <a:noFill/>
+        </p:spPr>
+        <p:style>
+          <a:lnRef idx="2">
+            <a:schemeClr val="accent1">
+              <a:shade val="50000"/>
+            </a:schemeClr>
+          </a:lnRef>
+          <a:fillRef idx="1">
+            <a:schemeClr val="accent1"/>
+          </a:fillRef>
+          <a:effectRef idx="0">
+            <a:schemeClr val="accent1"/>
+          </a:effectRef>
+          <a:fontRef idx="minor">
+            <a:schemeClr val="lt1"/>
+          </a:fontRef>
+        </p:style>
+        <p:txBody>
+          <a:bodyPr rtlCol="0" anchor="ctr"/>
+          <a:lstStyle/>
+          <a:p>
+            <a:pPr algn="ctr"/>
+            <a:r>
+              <a:rPr lang="ko-KR" altLang="en-US" sz="1400" dirty="0" smtClean="0">
+                <a:solidFill>
+                  <a:schemeClr val="tx1"/>
+                </a:solidFill>
+              </a:rPr>
+              <a:t>이력 정보 관리시스템</a:t>
+            </a:r>
+            <a:endParaRPr lang="ko-KR" altLang="en-US" sz="1400" dirty="0">
+              <a:solidFill>
+                <a:schemeClr val="tx1"/>
+              </a:solidFill>
+            </a:endParaRPr>
+          </a:p>
+        </p:txBody>
+      </p:sp>
+      <p:sp>
+        <p:nvSpPr>
+          <p:cNvPr id="25" name="직사각형 24">
+            <a:extLst>
+              <a:ext uri="{FF2B5EF4-FFF2-40B4-BE49-F238E27FC236}">
+                <a16:creationId xmlns:a16="http://schemas.microsoft.com/office/drawing/2014/main" id="{DAE9B5D3-3169-41B7-9D32-219AA0EB96D6}"/>
+              </a:ext>
+            </a:extLst>
+          </p:cNvPr>
+          <p:cNvSpPr/>
+          <p:nvPr/>
+        </p:nvSpPr>
+        <p:spPr>
+          <a:xfrm>
+            <a:off x="7822096" y="473346"/>
+            <a:ext cx="3227691" cy="337359"/>
+          </a:xfrm>
+          <a:prstGeom prst="rect">
+            <a:avLst/>
+          </a:prstGeom>
+          <a:noFill/>
+        </p:spPr>
+        <p:style>
+          <a:lnRef idx="2">
+            <a:schemeClr val="accent1">
+              <a:shade val="50000"/>
+            </a:schemeClr>
+          </a:lnRef>
+          <a:fillRef idx="1">
+            <a:schemeClr val="accent1"/>
+          </a:fillRef>
+          <a:effectRef idx="0">
+            <a:schemeClr val="accent1"/>
+          </a:effectRef>
+          <a:fontRef idx="minor">
+            <a:schemeClr val="lt1"/>
+          </a:fontRef>
+        </p:style>
+        <p:txBody>
+          <a:bodyPr rtlCol="0" anchor="ctr"/>
+          <a:lstStyle/>
+          <a:p>
+            <a:pPr algn="ctr"/>
+            <a:r>
+              <a:rPr lang="ko-KR" altLang="en-US" sz="1400" u="sng" dirty="0" smtClean="0">
+                <a:solidFill>
+                  <a:schemeClr val="tx1"/>
+                </a:solidFill>
+              </a:rPr>
+              <a:t>관리자</a:t>
+            </a:r>
+            <a:r>
+              <a:rPr lang="en-US" altLang="ko-KR" sz="1400" dirty="0" smtClean="0">
+                <a:solidFill>
+                  <a:schemeClr val="tx1"/>
+                </a:solidFill>
+              </a:rPr>
+              <a:t> </a:t>
+            </a:r>
+            <a:r>
+              <a:rPr lang="ko-KR" altLang="en-US" sz="1400" dirty="0" smtClean="0">
+                <a:solidFill>
+                  <a:schemeClr val="tx1"/>
+                </a:solidFill>
+              </a:rPr>
+              <a:t>님 접속을 환영합니다</a:t>
+            </a:r>
+            <a:r>
+              <a:rPr lang="en-US" altLang="ko-KR" sz="1400" dirty="0" smtClean="0">
+                <a:solidFill>
+                  <a:schemeClr val="tx1"/>
+                </a:solidFill>
+              </a:rPr>
+              <a:t>.</a:t>
+            </a:r>
+            <a:endParaRPr lang="ko-KR" altLang="en-US" sz="1400" dirty="0">
+              <a:solidFill>
+                <a:schemeClr val="tx1"/>
+              </a:solidFill>
+            </a:endParaRPr>
+          </a:p>
+        </p:txBody>
+      </p:sp>
+    </p:spTree>
+    <p:extLst>
+      <p:ext uri="{BB962C8B-B14F-4D97-AF65-F5344CB8AC3E}">
+        <p14:creationId xmlns:p14="http://schemas.microsoft.com/office/powerpoint/2010/main" val="3798768409"/>
+      </p:ext>
+    </p:extLst>
+  </p:cSld>
+  <p:clrMapOvr>
+    <a:masterClrMapping/>
+  </p:clrMapOvr>
+</p:sld>
+</file>
+
+<file path=ppt/slides/slide5.xml><?xml version="1.0" encoding="utf-8"?>
+<p:sld xmlns:a="http://schemas.openxmlformats.org/drawingml/2006/main" xmlns:r="http://schemas.openxmlformats.org/officeDocument/2006/relationships" xmlns:p="http://schemas.openxmlformats.org/presentationml/2006/main">
+  <p:cSld>
+    <p:spTree>
+      <p:nvGrpSpPr>
+        <p:cNvPr id="1" name=""/>
+        <p:cNvGrpSpPr/>
+        <p:nvPr/>
+      </p:nvGrpSpPr>
+      <p:grpSpPr>
+        <a:xfrm>
+          <a:off x="0" y="0"/>
+          <a:ext cx="0" cy="0"/>
+          <a:chOff x="0" y="0"/>
+          <a:chExt cx="0" cy="0"/>
+        </a:xfrm>
+      </p:grpSpPr>
+      <p:sp>
+        <p:nvSpPr>
+          <p:cNvPr id="4" name="직사각형 3">
+            <a:extLst>
+              <a:ext uri="{FF2B5EF4-FFF2-40B4-BE49-F238E27FC236}">
+                <a16:creationId xmlns:a16="http://schemas.microsoft.com/office/drawing/2014/main" id="{79CE9E51-2A28-4479-95B6-D01D5BE41644}"/>
+              </a:ext>
+            </a:extLst>
+          </p:cNvPr>
+          <p:cNvSpPr/>
+          <p:nvPr/>
+        </p:nvSpPr>
+        <p:spPr>
+          <a:xfrm>
+            <a:off x="322035" y="356789"/>
+            <a:ext cx="4404220" cy="4647501"/>
+          </a:xfrm>
+          <a:prstGeom prst="rect">
+            <a:avLst/>
+          </a:prstGeom>
+          <a:noFill/>
+        </p:spPr>
+        <p:style>
+          <a:lnRef idx="2">
+            <a:schemeClr val="accent1">
+              <a:shade val="50000"/>
+            </a:schemeClr>
+          </a:lnRef>
+          <a:fillRef idx="1">
+            <a:schemeClr val="accent1"/>
+          </a:fillRef>
+          <a:effectRef idx="0">
+            <a:schemeClr val="accent1"/>
+          </a:effectRef>
+          <a:fontRef idx="minor">
+            <a:schemeClr val="lt1"/>
+          </a:fontRef>
+        </p:style>
+        <p:txBody>
+          <a:bodyPr rtlCol="0" anchor="ctr"/>
+          <a:lstStyle/>
+          <a:p>
+            <a:pPr algn="ctr"/>
+            <a:endParaRPr lang="ko-KR" altLang="en-US" dirty="0"/>
+          </a:p>
+        </p:txBody>
+      </p:sp>
+      <p:sp>
+        <p:nvSpPr>
+          <p:cNvPr id="5" name="직사각형 4">
+            <a:extLst>
+              <a:ext uri="{FF2B5EF4-FFF2-40B4-BE49-F238E27FC236}">
+                <a16:creationId xmlns:a16="http://schemas.microsoft.com/office/drawing/2014/main" id="{A6550A96-69D6-4717-9A75-2E6ED37A0FB5}"/>
+              </a:ext>
+            </a:extLst>
+          </p:cNvPr>
+          <p:cNvSpPr/>
+          <p:nvPr/>
+        </p:nvSpPr>
+        <p:spPr>
+          <a:xfrm>
+            <a:off x="7173815" y="356789"/>
+            <a:ext cx="4404220" cy="4647501"/>
+          </a:xfrm>
+          <a:prstGeom prst="rect">
+            <a:avLst/>
+          </a:prstGeom>
+          <a:noFill/>
+        </p:spPr>
+        <p:style>
+          <a:lnRef idx="2">
+            <a:schemeClr val="accent1">
+              <a:shade val="50000"/>
+            </a:schemeClr>
+          </a:lnRef>
+          <a:fillRef idx="1">
+            <a:schemeClr val="accent1"/>
+          </a:fillRef>
+          <a:effectRef idx="0">
+            <a:schemeClr val="accent1"/>
+          </a:effectRef>
+          <a:fontRef idx="minor">
+            <a:schemeClr val="lt1"/>
+          </a:fontRef>
+        </p:style>
+        <p:txBody>
+          <a:bodyPr rtlCol="0" anchor="ctr"/>
+          <a:lstStyle/>
+          <a:p>
+            <a:pPr algn="ctr"/>
+            <a:endParaRPr lang="ko-KR" altLang="en-US" dirty="0"/>
+          </a:p>
+        </p:txBody>
+      </p:sp>
+      <p:sp>
+        <p:nvSpPr>
+          <p:cNvPr id="6" name="직사각형 5">
+            <a:extLst>
+              <a:ext uri="{FF2B5EF4-FFF2-40B4-BE49-F238E27FC236}">
+                <a16:creationId xmlns:a16="http://schemas.microsoft.com/office/drawing/2014/main" id="{619D13C7-A826-4887-A2D6-0FABEBFF6536}"/>
+              </a:ext>
+            </a:extLst>
+          </p:cNvPr>
+          <p:cNvSpPr/>
+          <p:nvPr/>
+        </p:nvSpPr>
+        <p:spPr>
+          <a:xfrm>
+            <a:off x="1290485" y="2349973"/>
+            <a:ext cx="2467319" cy="330566"/>
+          </a:xfrm>
+          <a:prstGeom prst="rect">
+            <a:avLst/>
+          </a:prstGeom>
+          <a:noFill/>
+        </p:spPr>
+        <p:style>
+          <a:lnRef idx="2">
+            <a:schemeClr val="accent1">
+              <a:shade val="50000"/>
+            </a:schemeClr>
+          </a:lnRef>
+          <a:fillRef idx="1">
+            <a:schemeClr val="accent1"/>
+          </a:fillRef>
+          <a:effectRef idx="0">
+            <a:schemeClr val="accent1"/>
+          </a:effectRef>
+          <a:fontRef idx="minor">
+            <a:schemeClr val="lt1"/>
+          </a:fontRef>
+        </p:style>
+        <p:txBody>
+          <a:bodyPr rtlCol="0" anchor="ctr"/>
+          <a:lstStyle/>
+          <a:p>
+            <a:pPr algn="ctr"/>
+            <a:r>
+              <a:rPr lang="ko-KR" altLang="en-US">
+                <a:solidFill>
+                  <a:schemeClr val="tx1"/>
+                </a:solidFill>
+              </a:rPr>
+              <a:t>조건 검색 </a:t>
+            </a:r>
+            <a:endParaRPr lang="ko-KR" altLang="en-US" dirty="0">
+              <a:solidFill>
+                <a:schemeClr val="tx1"/>
+              </a:solidFill>
+            </a:endParaRPr>
+          </a:p>
+        </p:txBody>
+      </p:sp>
+      <p:sp>
+        <p:nvSpPr>
+          <p:cNvPr id="7" name="직사각형 6">
+            <a:extLst>
+              <a:ext uri="{FF2B5EF4-FFF2-40B4-BE49-F238E27FC236}">
+                <a16:creationId xmlns:a16="http://schemas.microsoft.com/office/drawing/2014/main" id="{9B92132E-C55B-43E8-8160-2ED0B3C51BF2}"/>
+              </a:ext>
+            </a:extLst>
+          </p:cNvPr>
+          <p:cNvSpPr/>
+          <p:nvPr/>
+        </p:nvSpPr>
+        <p:spPr>
+          <a:xfrm>
+            <a:off x="1290484" y="3263717"/>
+            <a:ext cx="2467319" cy="330566"/>
+          </a:xfrm>
+          <a:prstGeom prst="rect">
+            <a:avLst/>
+          </a:prstGeom>
+          <a:noFill/>
+        </p:spPr>
+        <p:style>
+          <a:lnRef idx="2">
+            <a:schemeClr val="accent1">
+              <a:shade val="50000"/>
+            </a:schemeClr>
+          </a:lnRef>
+          <a:fillRef idx="1">
+            <a:schemeClr val="accent1"/>
+          </a:fillRef>
+          <a:effectRef idx="0">
+            <a:schemeClr val="accent1"/>
+          </a:effectRef>
+          <a:fontRef idx="minor">
+            <a:schemeClr val="lt1"/>
+          </a:fontRef>
+        </p:style>
+        <p:txBody>
+          <a:bodyPr rtlCol="0" anchor="ctr"/>
+          <a:lstStyle/>
+          <a:p>
+            <a:pPr algn="ctr"/>
+            <a:r>
+              <a:rPr lang="ko-KR" altLang="en-US" dirty="0">
+                <a:solidFill>
+                  <a:schemeClr val="tx1"/>
+                </a:solidFill>
+              </a:rPr>
+              <a:t>키워드 검색 </a:t>
+            </a:r>
+          </a:p>
+        </p:txBody>
+      </p:sp>
+      <p:sp>
+        <p:nvSpPr>
+          <p:cNvPr id="8" name="직사각형 7">
+            <a:extLst>
+              <a:ext uri="{FF2B5EF4-FFF2-40B4-BE49-F238E27FC236}">
+                <a16:creationId xmlns:a16="http://schemas.microsoft.com/office/drawing/2014/main" id="{EAB530A5-6732-4360-AA0C-E24B51364727}"/>
+              </a:ext>
+            </a:extLst>
+          </p:cNvPr>
+          <p:cNvSpPr/>
+          <p:nvPr/>
+        </p:nvSpPr>
+        <p:spPr>
+          <a:xfrm>
+            <a:off x="8151589" y="1795029"/>
+            <a:ext cx="2467319" cy="330566"/>
+          </a:xfrm>
+          <a:prstGeom prst="rect">
+            <a:avLst/>
+          </a:prstGeom>
+          <a:noFill/>
+        </p:spPr>
+        <p:style>
+          <a:lnRef idx="2">
+            <a:schemeClr val="accent1">
+              <a:shade val="50000"/>
+            </a:schemeClr>
+          </a:lnRef>
+          <a:fillRef idx="1">
+            <a:schemeClr val="accent1"/>
+          </a:fillRef>
+          <a:effectRef idx="0">
+            <a:schemeClr val="accent1"/>
+          </a:effectRef>
+          <a:fontRef idx="minor">
+            <a:schemeClr val="lt1"/>
+          </a:fontRef>
+        </p:style>
+        <p:txBody>
+          <a:bodyPr rtlCol="0" anchor="ctr"/>
+          <a:lstStyle/>
+          <a:p>
+            <a:pPr algn="ctr"/>
+            <a:r>
+              <a:rPr lang="ko-KR" altLang="en-US" dirty="0">
+                <a:solidFill>
+                  <a:schemeClr val="tx1"/>
+                </a:solidFill>
+              </a:rPr>
+              <a:t>데이터 검색 </a:t>
+            </a:r>
+          </a:p>
+        </p:txBody>
+      </p:sp>
+      <p:sp>
+        <p:nvSpPr>
+          <p:cNvPr id="9" name="직사각형 8">
+            <a:extLst>
+              <a:ext uri="{FF2B5EF4-FFF2-40B4-BE49-F238E27FC236}">
+                <a16:creationId xmlns:a16="http://schemas.microsoft.com/office/drawing/2014/main" id="{AB0791EB-ED7A-4940-9BF9-976F260340E5}"/>
+              </a:ext>
+            </a:extLst>
+          </p:cNvPr>
+          <p:cNvSpPr/>
+          <p:nvPr/>
+        </p:nvSpPr>
+        <p:spPr>
+          <a:xfrm>
+            <a:off x="8151593" y="2338849"/>
+            <a:ext cx="2467319" cy="330566"/>
+          </a:xfrm>
+          <a:prstGeom prst="rect">
+            <a:avLst/>
+          </a:prstGeom>
+          <a:noFill/>
+        </p:spPr>
+        <p:style>
+          <a:lnRef idx="2">
+            <a:schemeClr val="accent1">
+              <a:shade val="50000"/>
+            </a:schemeClr>
+          </a:lnRef>
+          <a:fillRef idx="1">
+            <a:schemeClr val="accent1"/>
+          </a:fillRef>
+          <a:effectRef idx="0">
+            <a:schemeClr val="accent1"/>
+          </a:effectRef>
+          <a:fontRef idx="minor">
+            <a:schemeClr val="lt1"/>
+          </a:fontRef>
+        </p:style>
+        <p:txBody>
+          <a:bodyPr rtlCol="0" anchor="ctr"/>
+          <a:lstStyle/>
+          <a:p>
+            <a:pPr algn="ctr"/>
+            <a:r>
+              <a:rPr lang="en-US" altLang="ko-KR" dirty="0">
+                <a:solidFill>
+                  <a:schemeClr val="tx1"/>
+                </a:solidFill>
+              </a:rPr>
+              <a:t>Sender</a:t>
+            </a:r>
+            <a:r>
+              <a:rPr lang="ko-KR" altLang="en-US" dirty="0">
+                <a:solidFill>
+                  <a:schemeClr val="tx1"/>
+                </a:solidFill>
+              </a:rPr>
+              <a:t> 검색 </a:t>
+            </a:r>
+          </a:p>
+        </p:txBody>
+      </p:sp>
+      <p:sp>
+        <p:nvSpPr>
+          <p:cNvPr id="10" name="직사각형 9">
+            <a:extLst>
+              <a:ext uri="{FF2B5EF4-FFF2-40B4-BE49-F238E27FC236}">
+                <a16:creationId xmlns:a16="http://schemas.microsoft.com/office/drawing/2014/main" id="{A057CE68-25B4-4C71-88CA-FD0817F3483E}"/>
+              </a:ext>
+            </a:extLst>
+          </p:cNvPr>
+          <p:cNvSpPr/>
+          <p:nvPr/>
+        </p:nvSpPr>
+        <p:spPr>
+          <a:xfrm>
+            <a:off x="8151592" y="3043852"/>
+            <a:ext cx="2467319" cy="330566"/>
+          </a:xfrm>
+          <a:prstGeom prst="rect">
+            <a:avLst/>
+          </a:prstGeom>
+          <a:noFill/>
+        </p:spPr>
+        <p:style>
+          <a:lnRef idx="2">
+            <a:schemeClr val="accent1">
+              <a:shade val="50000"/>
+            </a:schemeClr>
+          </a:lnRef>
+          <a:fillRef idx="1">
+            <a:schemeClr val="accent1"/>
+          </a:fillRef>
+          <a:effectRef idx="0">
+            <a:schemeClr val="accent1"/>
+          </a:effectRef>
+          <a:fontRef idx="minor">
+            <a:schemeClr val="lt1"/>
+          </a:fontRef>
+        </p:style>
+        <p:txBody>
+          <a:bodyPr rtlCol="0" anchor="ctr"/>
+          <a:lstStyle/>
+          <a:p>
+            <a:pPr algn="ctr"/>
+            <a:r>
+              <a:rPr lang="en-US" altLang="ko-KR" dirty="0">
+                <a:solidFill>
+                  <a:schemeClr val="tx1"/>
+                </a:solidFill>
+              </a:rPr>
+              <a:t>Receiver</a:t>
+            </a:r>
+            <a:r>
+              <a:rPr lang="ko-KR" altLang="en-US" dirty="0">
+                <a:solidFill>
+                  <a:schemeClr val="tx1"/>
+                </a:solidFill>
+              </a:rPr>
+              <a:t> 검색 </a:t>
+            </a:r>
+          </a:p>
+        </p:txBody>
+      </p:sp>
+      <p:sp>
+        <p:nvSpPr>
+          <p:cNvPr id="11" name="직사각형 10">
+            <a:extLst>
+              <a:ext uri="{FF2B5EF4-FFF2-40B4-BE49-F238E27FC236}">
+                <a16:creationId xmlns:a16="http://schemas.microsoft.com/office/drawing/2014/main" id="{0A36F82F-D9B2-4E86-B9A8-20C0A979EF16}"/>
+              </a:ext>
+            </a:extLst>
+          </p:cNvPr>
+          <p:cNvSpPr/>
+          <p:nvPr/>
+        </p:nvSpPr>
+        <p:spPr>
+          <a:xfrm>
+            <a:off x="8151591" y="3661700"/>
+            <a:ext cx="2467319" cy="330566"/>
+          </a:xfrm>
+          <a:prstGeom prst="rect">
+            <a:avLst/>
+          </a:prstGeom>
+          <a:noFill/>
+        </p:spPr>
+        <p:style>
+          <a:lnRef idx="2">
+            <a:schemeClr val="accent1">
+              <a:shade val="50000"/>
+            </a:schemeClr>
+          </a:lnRef>
+          <a:fillRef idx="1">
+            <a:schemeClr val="accent1"/>
+          </a:fillRef>
+          <a:effectRef idx="0">
+            <a:schemeClr val="accent1"/>
+          </a:effectRef>
+          <a:fontRef idx="minor">
+            <a:schemeClr val="lt1"/>
+          </a:fontRef>
+        </p:style>
+        <p:txBody>
+          <a:bodyPr rtlCol="0" anchor="ctr"/>
+          <a:lstStyle/>
+          <a:p>
+            <a:pPr algn="ctr"/>
+            <a:r>
+              <a:rPr lang="ko-KR" altLang="en-US" dirty="0">
+                <a:solidFill>
+                  <a:schemeClr val="tx1"/>
+                </a:solidFill>
+              </a:rPr>
+              <a:t>기간 검색 </a:t>
+            </a:r>
+          </a:p>
+        </p:txBody>
+      </p:sp>
+      <p:sp>
+        <p:nvSpPr>
+          <p:cNvPr id="12" name="직사각형 11">
+            <a:extLst>
+              <a:ext uri="{FF2B5EF4-FFF2-40B4-BE49-F238E27FC236}">
+                <a16:creationId xmlns:a16="http://schemas.microsoft.com/office/drawing/2014/main" id="{13D60781-DD5D-4BC7-A22B-34CB3D2D3577}"/>
+              </a:ext>
+            </a:extLst>
+          </p:cNvPr>
+          <p:cNvSpPr/>
+          <p:nvPr/>
+        </p:nvSpPr>
+        <p:spPr>
+          <a:xfrm>
+            <a:off x="8151590" y="4323420"/>
+            <a:ext cx="2467319" cy="330566"/>
+          </a:xfrm>
+          <a:prstGeom prst="rect">
+            <a:avLst/>
+          </a:prstGeom>
+          <a:noFill/>
+        </p:spPr>
+        <p:style>
+          <a:lnRef idx="2">
+            <a:schemeClr val="accent1">
+              <a:shade val="50000"/>
+            </a:schemeClr>
+          </a:lnRef>
+          <a:fillRef idx="1">
+            <a:schemeClr val="accent1"/>
+          </a:fillRef>
+          <a:effectRef idx="0">
+            <a:schemeClr val="accent1"/>
+          </a:effectRef>
+          <a:fontRef idx="minor">
+            <a:schemeClr val="lt1"/>
+          </a:fontRef>
+        </p:style>
+        <p:txBody>
+          <a:bodyPr rtlCol="0" anchor="ctr"/>
+          <a:lstStyle/>
+          <a:p>
+            <a:pPr algn="ctr"/>
+            <a:r>
+              <a:rPr lang="ko-KR" altLang="en-US" dirty="0">
+                <a:solidFill>
+                  <a:schemeClr val="tx1"/>
+                </a:solidFill>
+              </a:rPr>
+              <a:t>속성 검색 </a:t>
+            </a:r>
+          </a:p>
+        </p:txBody>
+      </p:sp>
+      <p:sp>
+        <p:nvSpPr>
+          <p:cNvPr id="13" name="직사각형 12">
+            <a:extLst>
+              <a:ext uri="{FF2B5EF4-FFF2-40B4-BE49-F238E27FC236}">
+                <a16:creationId xmlns:a16="http://schemas.microsoft.com/office/drawing/2014/main" id="{DAE9B5D3-3169-41B7-9D32-219AA0EB96D6}"/>
+              </a:ext>
+            </a:extLst>
+          </p:cNvPr>
+          <p:cNvSpPr/>
+          <p:nvPr/>
+        </p:nvSpPr>
+        <p:spPr>
+          <a:xfrm>
+            <a:off x="461995" y="1022816"/>
+            <a:ext cx="1180194" cy="330565"/>
+          </a:xfrm>
+          <a:prstGeom prst="rect">
+            <a:avLst/>
+          </a:prstGeom>
+          <a:noFill/>
+        </p:spPr>
+        <p:style>
+          <a:lnRef idx="2">
+            <a:schemeClr val="accent1">
+              <a:shade val="50000"/>
+            </a:schemeClr>
+          </a:lnRef>
+          <a:fillRef idx="1">
+            <a:schemeClr val="accent1"/>
+          </a:fillRef>
+          <a:effectRef idx="0">
+            <a:schemeClr val="accent1"/>
+          </a:effectRef>
+          <a:fontRef idx="minor">
+            <a:schemeClr val="lt1"/>
+          </a:fontRef>
+        </p:style>
+        <p:txBody>
+          <a:bodyPr rtlCol="0" anchor="ctr"/>
+          <a:lstStyle/>
+          <a:p>
+            <a:pPr algn="ctr"/>
+            <a:r>
+              <a:rPr lang="ko-KR" altLang="en-US" sz="1400" dirty="0">
+                <a:solidFill>
+                  <a:schemeClr val="tx1"/>
+                </a:solidFill>
+              </a:rPr>
+              <a:t>데이터 보기</a:t>
+            </a:r>
+          </a:p>
+        </p:txBody>
+      </p:sp>
+      <p:sp>
+        <p:nvSpPr>
+          <p:cNvPr id="14" name="직사각형 13">
+            <a:extLst>
+              <a:ext uri="{FF2B5EF4-FFF2-40B4-BE49-F238E27FC236}">
+                <a16:creationId xmlns:a16="http://schemas.microsoft.com/office/drawing/2014/main" id="{E1E69C98-EF4F-48E9-8AF6-A151C3DFE1CA}"/>
+              </a:ext>
+            </a:extLst>
+          </p:cNvPr>
+          <p:cNvSpPr/>
+          <p:nvPr/>
+        </p:nvSpPr>
+        <p:spPr>
+          <a:xfrm>
+            <a:off x="1934046" y="1022816"/>
+            <a:ext cx="1180194" cy="330565"/>
+          </a:xfrm>
+          <a:prstGeom prst="rect">
+            <a:avLst/>
+          </a:prstGeom>
+          <a:noFill/>
+        </p:spPr>
+        <p:style>
+          <a:lnRef idx="2">
+            <a:schemeClr val="accent1">
+              <a:shade val="50000"/>
+            </a:schemeClr>
+          </a:lnRef>
+          <a:fillRef idx="1">
+            <a:schemeClr val="accent1"/>
+          </a:fillRef>
+          <a:effectRef idx="0">
+            <a:schemeClr val="accent1"/>
+          </a:effectRef>
+          <a:fontRef idx="minor">
+            <a:schemeClr val="lt1"/>
+          </a:fontRef>
+        </p:style>
+        <p:txBody>
+          <a:bodyPr rtlCol="0" anchor="ctr"/>
+          <a:lstStyle/>
+          <a:p>
+            <a:pPr algn="ctr"/>
+            <a:r>
+              <a:rPr lang="ko-KR" altLang="en-US" sz="1400">
+                <a:solidFill>
+                  <a:schemeClr val="tx1"/>
+                </a:solidFill>
+              </a:rPr>
+              <a:t>데이터 추가</a:t>
+            </a:r>
+            <a:endParaRPr lang="ko-KR" altLang="en-US" sz="1400" dirty="0">
+              <a:solidFill>
+                <a:schemeClr val="tx1"/>
+              </a:solidFill>
+            </a:endParaRPr>
+          </a:p>
+        </p:txBody>
+      </p:sp>
+      <p:sp>
+        <p:nvSpPr>
+          <p:cNvPr id="15" name="직사각형 14">
+            <a:extLst>
+              <a:ext uri="{FF2B5EF4-FFF2-40B4-BE49-F238E27FC236}">
+                <a16:creationId xmlns:a16="http://schemas.microsoft.com/office/drawing/2014/main" id="{C9BB0AE7-C71E-4BBF-BD39-5B9DB8AFA432}"/>
+              </a:ext>
+            </a:extLst>
+          </p:cNvPr>
+          <p:cNvSpPr/>
+          <p:nvPr/>
+        </p:nvSpPr>
+        <p:spPr>
+          <a:xfrm>
+            <a:off x="3406097" y="1022815"/>
+            <a:ext cx="1180194" cy="330565"/>
+          </a:xfrm>
+          <a:prstGeom prst="rect">
+            <a:avLst/>
+          </a:prstGeom>
+          <a:noFill/>
+        </p:spPr>
+        <p:style>
+          <a:lnRef idx="2">
+            <a:schemeClr val="accent1">
+              <a:shade val="50000"/>
+            </a:schemeClr>
+          </a:lnRef>
+          <a:fillRef idx="1">
+            <a:schemeClr val="accent1"/>
+          </a:fillRef>
+          <a:effectRef idx="0">
+            <a:schemeClr val="accent1"/>
+          </a:effectRef>
+          <a:fontRef idx="minor">
+            <a:schemeClr val="lt1"/>
+          </a:fontRef>
+        </p:style>
+        <p:txBody>
+          <a:bodyPr rtlCol="0" anchor="ctr"/>
+          <a:lstStyle/>
+          <a:p>
+            <a:pPr algn="ctr"/>
+            <a:r>
+              <a:rPr lang="ko-KR" altLang="en-US" sz="1400" dirty="0">
+                <a:solidFill>
+                  <a:schemeClr val="tx1"/>
+                </a:solidFill>
+              </a:rPr>
+              <a:t>데이터 검색</a:t>
+            </a:r>
+          </a:p>
+        </p:txBody>
+      </p:sp>
+      <p:sp>
+        <p:nvSpPr>
+          <p:cNvPr id="16" name="TextBox 15">
+            <a:extLst>
+              <a:ext uri="{FF2B5EF4-FFF2-40B4-BE49-F238E27FC236}">
+                <a16:creationId xmlns:a16="http://schemas.microsoft.com/office/drawing/2014/main" id="{F3186B47-60D1-415E-A6C4-3594A260EFC2}"/>
+              </a:ext>
+            </a:extLst>
+          </p:cNvPr>
+          <p:cNvSpPr txBox="1"/>
+          <p:nvPr/>
+        </p:nvSpPr>
+        <p:spPr>
+          <a:xfrm>
+            <a:off x="1663459" y="5249241"/>
+            <a:ext cx="2985796" cy="369332"/>
+          </a:xfrm>
+          <a:prstGeom prst="rect">
+            <a:avLst/>
+          </a:prstGeom>
+          <a:noFill/>
+        </p:spPr>
+        <p:txBody>
+          <a:bodyPr wrap="square" rtlCol="0">
+            <a:spAutoFit/>
+          </a:bodyPr>
+          <a:lstStyle/>
+          <a:p>
+            <a:r>
+              <a:rPr lang="en-US" altLang="ko-KR" dirty="0" err="1"/>
+              <a:t>SeachPage.ejs</a:t>
+            </a:r>
+            <a:endParaRPr lang="ko-KR" altLang="en-US" dirty="0"/>
+          </a:p>
+        </p:txBody>
+      </p:sp>
+      <p:sp>
+        <p:nvSpPr>
+          <p:cNvPr id="17" name="TextBox 16">
+            <a:extLst>
+              <a:ext uri="{FF2B5EF4-FFF2-40B4-BE49-F238E27FC236}">
+                <a16:creationId xmlns:a16="http://schemas.microsoft.com/office/drawing/2014/main" id="{E4090D8A-693F-4BDB-920F-6367D6908982}"/>
+              </a:ext>
+            </a:extLst>
+          </p:cNvPr>
+          <p:cNvSpPr txBox="1"/>
+          <p:nvPr/>
+        </p:nvSpPr>
+        <p:spPr>
+          <a:xfrm>
+            <a:off x="7883027" y="5257320"/>
+            <a:ext cx="2985796" cy="369332"/>
+          </a:xfrm>
+          <a:prstGeom prst="rect">
+            <a:avLst/>
+          </a:prstGeom>
+          <a:noFill/>
+        </p:spPr>
+        <p:txBody>
+          <a:bodyPr wrap="square" rtlCol="0">
+            <a:spAutoFit/>
+          </a:bodyPr>
+          <a:lstStyle/>
+          <a:p>
+            <a:r>
+              <a:rPr lang="ko-KR" altLang="en-US"/>
+              <a:t>조건 검색 버튼 후 페이지</a:t>
+            </a:r>
+            <a:endParaRPr lang="ko-KR" altLang="en-US" dirty="0"/>
+          </a:p>
+        </p:txBody>
+      </p:sp>
+      <p:cxnSp>
+        <p:nvCxnSpPr>
+          <p:cNvPr id="19" name="직선 연결선 18">
+            <a:extLst>
+              <a:ext uri="{FF2B5EF4-FFF2-40B4-BE49-F238E27FC236}">
+                <a16:creationId xmlns:a16="http://schemas.microsoft.com/office/drawing/2014/main" id="{53D03D58-FB0B-4512-A50C-20CE63F9D97D}"/>
+              </a:ext>
+            </a:extLst>
+          </p:cNvPr>
+          <p:cNvCxnSpPr/>
+          <p:nvPr/>
+        </p:nvCxnSpPr>
+        <p:spPr>
+          <a:xfrm>
+            <a:off x="322035" y="1562329"/>
+            <a:ext cx="4404220" cy="0"/>
+          </a:xfrm>
+          <a:prstGeom prst="line">
+            <a:avLst/>
+          </a:prstGeom>
+        </p:spPr>
+        <p:style>
+          <a:lnRef idx="1">
+            <a:schemeClr val="accent1"/>
+          </a:lnRef>
+          <a:fillRef idx="0">
+            <a:schemeClr val="accent1"/>
+          </a:fillRef>
+          <a:effectRef idx="0">
+            <a:schemeClr val="accent1"/>
+          </a:effectRef>
+          <a:fontRef idx="minor">
+            <a:schemeClr val="tx1"/>
+          </a:fontRef>
+        </p:style>
+      </p:cxnSp>
+      <p:sp>
+        <p:nvSpPr>
+          <p:cNvPr id="20" name="직사각형 19">
+            <a:extLst>
+              <a:ext uri="{FF2B5EF4-FFF2-40B4-BE49-F238E27FC236}">
+                <a16:creationId xmlns:a16="http://schemas.microsoft.com/office/drawing/2014/main" id="{29B2CD89-21E5-418B-8577-8C1286C60B88}"/>
+              </a:ext>
+            </a:extLst>
+          </p:cNvPr>
+          <p:cNvSpPr/>
+          <p:nvPr/>
+        </p:nvSpPr>
+        <p:spPr>
+          <a:xfrm>
+            <a:off x="7313775" y="905211"/>
+            <a:ext cx="1180194" cy="330565"/>
+          </a:xfrm>
+          <a:prstGeom prst="rect">
+            <a:avLst/>
+          </a:prstGeom>
+          <a:noFill/>
+        </p:spPr>
+        <p:style>
+          <a:lnRef idx="2">
+            <a:schemeClr val="accent1">
+              <a:shade val="50000"/>
+            </a:schemeClr>
+          </a:lnRef>
+          <a:fillRef idx="1">
+            <a:schemeClr val="accent1"/>
+          </a:fillRef>
+          <a:effectRef idx="0">
+            <a:schemeClr val="accent1"/>
+          </a:effectRef>
+          <a:fontRef idx="minor">
+            <a:schemeClr val="lt1"/>
+          </a:fontRef>
+        </p:style>
+        <p:txBody>
+          <a:bodyPr rtlCol="0" anchor="ctr"/>
+          <a:lstStyle/>
+          <a:p>
+            <a:pPr algn="ctr"/>
+            <a:r>
+              <a:rPr lang="ko-KR" altLang="en-US" sz="1400" dirty="0">
+                <a:solidFill>
+                  <a:schemeClr val="tx1"/>
+                </a:solidFill>
+              </a:rPr>
+              <a:t>데이터 보기</a:t>
+            </a:r>
+          </a:p>
+        </p:txBody>
+      </p:sp>
+      <p:sp>
+        <p:nvSpPr>
+          <p:cNvPr id="21" name="직사각형 20">
+            <a:extLst>
+              <a:ext uri="{FF2B5EF4-FFF2-40B4-BE49-F238E27FC236}">
+                <a16:creationId xmlns:a16="http://schemas.microsoft.com/office/drawing/2014/main" id="{1B12371B-0BB8-462A-839E-0F037F11F6C7}"/>
+              </a:ext>
+            </a:extLst>
+          </p:cNvPr>
+          <p:cNvSpPr/>
+          <p:nvPr/>
+        </p:nvSpPr>
+        <p:spPr>
+          <a:xfrm>
+            <a:off x="8785826" y="905211"/>
+            <a:ext cx="1180194" cy="330565"/>
+          </a:xfrm>
+          <a:prstGeom prst="rect">
+            <a:avLst/>
+          </a:prstGeom>
+          <a:noFill/>
+        </p:spPr>
+        <p:style>
+          <a:lnRef idx="2">
+            <a:schemeClr val="accent1">
+              <a:shade val="50000"/>
+            </a:schemeClr>
+          </a:lnRef>
+          <a:fillRef idx="1">
+            <a:schemeClr val="accent1"/>
+          </a:fillRef>
+          <a:effectRef idx="0">
+            <a:schemeClr val="accent1"/>
+          </a:effectRef>
+          <a:fontRef idx="minor">
+            <a:schemeClr val="lt1"/>
+          </a:fontRef>
+        </p:style>
+        <p:txBody>
+          <a:bodyPr rtlCol="0" anchor="ctr"/>
+          <a:lstStyle/>
+          <a:p>
+            <a:pPr algn="ctr"/>
+            <a:r>
+              <a:rPr lang="ko-KR" altLang="en-US" sz="1400">
+                <a:solidFill>
+                  <a:schemeClr val="tx1"/>
+                </a:solidFill>
+              </a:rPr>
+              <a:t>데이터 추가</a:t>
+            </a:r>
+            <a:endParaRPr lang="ko-KR" altLang="en-US" sz="1400" dirty="0">
+              <a:solidFill>
+                <a:schemeClr val="tx1"/>
+              </a:solidFill>
+            </a:endParaRPr>
+          </a:p>
+        </p:txBody>
+      </p:sp>
+      <p:sp>
+        <p:nvSpPr>
+          <p:cNvPr id="22" name="직사각형 21">
+            <a:extLst>
+              <a:ext uri="{FF2B5EF4-FFF2-40B4-BE49-F238E27FC236}">
+                <a16:creationId xmlns:a16="http://schemas.microsoft.com/office/drawing/2014/main" id="{34819DA1-53F5-4F47-BE40-2668C7F0FA22}"/>
+              </a:ext>
+            </a:extLst>
+          </p:cNvPr>
+          <p:cNvSpPr/>
+          <p:nvPr/>
+        </p:nvSpPr>
+        <p:spPr>
+          <a:xfrm>
+            <a:off x="10257877" y="905210"/>
+            <a:ext cx="1180194" cy="330565"/>
+          </a:xfrm>
+          <a:prstGeom prst="rect">
+            <a:avLst/>
+          </a:prstGeom>
+          <a:noFill/>
+        </p:spPr>
+        <p:style>
+          <a:lnRef idx="2">
+            <a:schemeClr val="accent1">
+              <a:shade val="50000"/>
+            </a:schemeClr>
+          </a:lnRef>
+          <a:fillRef idx="1">
+            <a:schemeClr val="accent1"/>
+          </a:fillRef>
+          <a:effectRef idx="0">
+            <a:schemeClr val="accent1"/>
+          </a:effectRef>
+          <a:fontRef idx="minor">
+            <a:schemeClr val="lt1"/>
+          </a:fontRef>
+        </p:style>
+        <p:txBody>
+          <a:bodyPr rtlCol="0" anchor="ctr"/>
+          <a:lstStyle/>
+          <a:p>
+            <a:pPr algn="ctr"/>
+            <a:r>
+              <a:rPr lang="ko-KR" altLang="en-US" sz="1400" dirty="0">
+                <a:solidFill>
+                  <a:schemeClr val="tx1"/>
+                </a:solidFill>
+              </a:rPr>
+              <a:t>데이터 검색</a:t>
+            </a:r>
+          </a:p>
+        </p:txBody>
+      </p:sp>
+      <p:cxnSp>
+        <p:nvCxnSpPr>
+          <p:cNvPr id="23" name="직선 연결선 22">
+            <a:extLst>
+              <a:ext uri="{FF2B5EF4-FFF2-40B4-BE49-F238E27FC236}">
+                <a16:creationId xmlns:a16="http://schemas.microsoft.com/office/drawing/2014/main" id="{83A3BC97-9FB1-46FD-92D9-4C1C79EEE5D6}"/>
+              </a:ext>
+            </a:extLst>
+          </p:cNvPr>
+          <p:cNvCxnSpPr/>
+          <p:nvPr/>
+        </p:nvCxnSpPr>
+        <p:spPr>
+          <a:xfrm>
+            <a:off x="7173815" y="1444724"/>
+            <a:ext cx="4404220" cy="0"/>
+          </a:xfrm>
+          <a:prstGeom prst="line">
+            <a:avLst/>
+          </a:prstGeom>
+        </p:spPr>
+        <p:style>
+          <a:lnRef idx="1">
+            <a:schemeClr val="accent1"/>
+          </a:lnRef>
+          <a:fillRef idx="0">
+            <a:schemeClr val="accent1"/>
+          </a:fillRef>
+          <a:effectRef idx="0">
+            <a:schemeClr val="accent1"/>
+          </a:effectRef>
+          <a:fontRef idx="minor">
+            <a:schemeClr val="tx1"/>
+          </a:fontRef>
+        </p:style>
+      </p:cxnSp>
+    </p:spTree>
+    <p:extLst>
+      <p:ext uri="{BB962C8B-B14F-4D97-AF65-F5344CB8AC3E}">
+        <p14:creationId xmlns:p14="http://schemas.microsoft.com/office/powerpoint/2010/main" val="2398753894"/>
+      </p:ext>
+    </p:extLst>
+  </p:cSld>
+  <p:clrMapOvr>
+    <a:masterClrMapping/>
+  </p:clrMapOvr>
+</p:sld>
+</file>
+
+<file path=ppt/slides/slide6.xml><?xml version="1.0" encoding="utf-8"?>
 <p:sld xmlns:a="http://schemas.openxmlformats.org/drawingml/2006/main" xmlns:r="http://schemas.openxmlformats.org/officeDocument/2006/relationships" xmlns:p="http://schemas.openxmlformats.org/presentationml/2006/main">
   <p:cSld>
     <p:spTree>
